--- a/com.yrtech.bentleyAPI/com.yrtech.InventoryAPI/template/2022 Dealer Coop fund event report template-handover ceremony.pptx
+++ b/com.yrtech.bentleyAPI/com.yrtech.InventoryAPI/template/2022 Dealer Coop fund event report template-handover ceremony.pptx
@@ -123,7 +123,7 @@
   </p:defaultTextStyle>
   <p:extLst>
     <p:ext uri="{EFAFB233-063F-42B5-8137-9DF3F51BA10A}">
-      <p15:sldGuideLst xmlns:p15="http://schemas.microsoft.com/office/powerpoint/2012/main" xmlns="">
+      <p15:sldGuideLst xmlns="" xmlns:p15="http://schemas.microsoft.com/office/powerpoint/2012/main">
         <p15:guide id="1" pos="7310" userDrawn="1">
           <p15:clr>
             <a:srgbClr val="A4A3A4"/>
@@ -222,7 +222,7 @@
           <a:p>
             <a:fld id="{69A4D669-94F9-4D70-8C76-4C2D35D4E5D0}" type="datetimeFigureOut">
               <a:rPr lang="en-US" smtClean="0"/>
-              <a:t>3/31/2022</a:t>
+              <a:t>4/1/2022</a:t>
             </a:fld>
             <a:endParaRPr lang="en-US"/>
           </a:p>
@@ -1431,7 +1431,7 @@
           <a:p>
             <a:fld id="{CB9F8517-1271-4F8B-9742-ECB8BBF22693}" type="datetimeFigureOut">
               <a:rPr lang="en-US" smtClean="0"/>
-              <a:t>3/31/2022</a:t>
+              <a:t>4/1/2022</a:t>
             </a:fld>
             <a:endParaRPr lang="en-US"/>
           </a:p>
@@ -1601,7 +1601,7 @@
           <a:p>
             <a:fld id="{CB9F8517-1271-4F8B-9742-ECB8BBF22693}" type="datetimeFigureOut">
               <a:rPr lang="en-US" smtClean="0"/>
-              <a:t>3/31/2022</a:t>
+              <a:t>4/1/2022</a:t>
             </a:fld>
             <a:endParaRPr lang="en-US"/>
           </a:p>
@@ -1781,7 +1781,7 @@
           <a:p>
             <a:fld id="{CB9F8517-1271-4F8B-9742-ECB8BBF22693}" type="datetimeFigureOut">
               <a:rPr lang="en-US" smtClean="0"/>
-              <a:t>3/31/2022</a:t>
+              <a:t>4/1/2022</a:t>
             </a:fld>
             <a:endParaRPr lang="en-US"/>
           </a:p>
@@ -1879,7 +1879,7 @@
           <a:graphicData uri="http://schemas.openxmlformats.org/presentationml/2006/ole">
             <mc:AlternateContent xmlns:mc="http://schemas.openxmlformats.org/markup-compatibility/2006">
               <mc:Choice xmlns:v="urn:schemas-microsoft-com:vml" Requires="v">
-                <p:oleObj spid="_x0000_s3117" name="think-cell Slide" r:id="rId4" imgW="216" imgH="216" progId="TCLayout.ActiveDocument.1">
+                <p:oleObj spid="_x0000_s3123" name="think-cell Slide" r:id="rId4" imgW="216" imgH="216" progId="TCLayout.ActiveDocument.1">
                   <p:embed/>
                 </p:oleObj>
               </mc:Choice>
@@ -1919,7 +1919,7 @@
           <p:cNvPr id="8" name="Title 7">
             <a:extLst>
               <a:ext uri="{FF2B5EF4-FFF2-40B4-BE49-F238E27FC236}">
-                <a16:creationId xmlns:a16="http://schemas.microsoft.com/office/drawing/2014/main" xmlns="" id="{8A6F1540-D306-D44E-B1B3-1ACCF1041F70}"/>
+                <a16:creationId xmlns="" xmlns:a16="http://schemas.microsoft.com/office/drawing/2014/main" id="{8A6F1540-D306-D44E-B1B3-1ACCF1041F70}"/>
               </a:ext>
             </a:extLst>
           </p:cNvPr>
@@ -2715,7 +2715,7 @@
           <p:cNvPr id="37" name="Footer Placeholder 3">
             <a:extLst>
               <a:ext uri="{FF2B5EF4-FFF2-40B4-BE49-F238E27FC236}">
-                <a16:creationId xmlns:a16="http://schemas.microsoft.com/office/drawing/2014/main" xmlns="" id="{DBA440F4-82E0-7E45-8A6F-4A8C7572AEE5}"/>
+                <a16:creationId xmlns="" xmlns:a16="http://schemas.microsoft.com/office/drawing/2014/main" id="{DBA440F4-82E0-7E45-8A6F-4A8C7572AEE5}"/>
               </a:ext>
             </a:extLst>
           </p:cNvPr>
@@ -2774,7 +2774,7 @@
           <p:cNvPr id="38" name="Slide Number Placeholder 5">
             <a:extLst>
               <a:ext uri="{FF2B5EF4-FFF2-40B4-BE49-F238E27FC236}">
-                <a16:creationId xmlns:a16="http://schemas.microsoft.com/office/drawing/2014/main" xmlns="" id="{CC67CD5C-67EC-5144-B858-5347C50D1ACD}"/>
+                <a16:creationId xmlns="" xmlns:a16="http://schemas.microsoft.com/office/drawing/2014/main" id="{CC67CD5C-67EC-5144-B858-5347C50D1ACD}"/>
               </a:ext>
             </a:extLst>
           </p:cNvPr>
@@ -2821,7 +2821,7 @@
           <p:cNvPr id="39" name="Straight Connector 38">
             <a:extLst>
               <a:ext uri="{FF2B5EF4-FFF2-40B4-BE49-F238E27FC236}">
-                <a16:creationId xmlns:a16="http://schemas.microsoft.com/office/drawing/2014/main" xmlns="" id="{95C486A1-9876-924E-85C2-906892F8B9AC}"/>
+                <a16:creationId xmlns="" xmlns:a16="http://schemas.microsoft.com/office/drawing/2014/main" id="{95C486A1-9876-924E-85C2-906892F8B9AC}"/>
               </a:ext>
             </a:extLst>
           </p:cNvPr>
@@ -2917,7 +2917,7 @@
           <a:graphicData uri="http://schemas.openxmlformats.org/presentationml/2006/ole">
             <mc:AlternateContent xmlns:mc="http://schemas.openxmlformats.org/markup-compatibility/2006">
               <mc:Choice xmlns:v="urn:schemas-microsoft-com:vml" Requires="v">
-                <p:oleObj spid="_x0000_s32801" name="think-cell Slide" r:id="rId5" imgW="216" imgH="216" progId="TCLayout.ActiveDocument.1">
+                <p:oleObj spid="_x0000_s32807" name="think-cell Slide" r:id="rId5" imgW="216" imgH="216" progId="TCLayout.ActiveDocument.1">
                   <p:embed/>
                 </p:oleObj>
               </mc:Choice>
@@ -3114,7 +3114,7 @@
           <p:cNvPr id="4" name="Footer Placeholder 3">
             <a:extLst>
               <a:ext uri="{FF2B5EF4-FFF2-40B4-BE49-F238E27FC236}">
-                <a16:creationId xmlns:a16="http://schemas.microsoft.com/office/drawing/2014/main" xmlns="" id="{17D6DE4C-D976-4B4B-B087-C035EF8D4F6F}"/>
+                <a16:creationId xmlns="" xmlns:a16="http://schemas.microsoft.com/office/drawing/2014/main" id="{17D6DE4C-D976-4B4B-B087-C035EF8D4F6F}"/>
               </a:ext>
             </a:extLst>
           </p:cNvPr>
@@ -3173,7 +3173,7 @@
           <p:cNvPr id="13" name="Straight Connector 12">
             <a:extLst>
               <a:ext uri="{FF2B5EF4-FFF2-40B4-BE49-F238E27FC236}">
-                <a16:creationId xmlns:a16="http://schemas.microsoft.com/office/drawing/2014/main" xmlns="" id="{95C486A1-9876-924E-85C2-906892F8B9AC}"/>
+                <a16:creationId xmlns="" xmlns:a16="http://schemas.microsoft.com/office/drawing/2014/main" id="{95C486A1-9876-924E-85C2-906892F8B9AC}"/>
               </a:ext>
             </a:extLst>
           </p:cNvPr>
@@ -3216,7 +3216,7 @@
           <p:cNvPr id="17" name="Slide Number Placeholder 5">
             <a:extLst>
               <a:ext uri="{FF2B5EF4-FFF2-40B4-BE49-F238E27FC236}">
-                <a16:creationId xmlns:a16="http://schemas.microsoft.com/office/drawing/2014/main" xmlns="" id="{CC67CD5C-67EC-5144-B858-5347C50D1ACD}"/>
+                <a16:creationId xmlns="" xmlns:a16="http://schemas.microsoft.com/office/drawing/2014/main" id="{CC67CD5C-67EC-5144-B858-5347C50D1ACD}"/>
               </a:ext>
             </a:extLst>
           </p:cNvPr>
@@ -3268,7 +3268,7 @@
           <p:cNvPr id="8" name="Title 7">
             <a:extLst>
               <a:ext uri="{FF2B5EF4-FFF2-40B4-BE49-F238E27FC236}">
-                <a16:creationId xmlns:a16="http://schemas.microsoft.com/office/drawing/2014/main" xmlns="" id="{8A6F1540-D306-D44E-B1B3-1ACCF1041F70}"/>
+                <a16:creationId xmlns="" xmlns:a16="http://schemas.microsoft.com/office/drawing/2014/main" id="{8A6F1540-D306-D44E-B1B3-1ACCF1041F70}"/>
               </a:ext>
             </a:extLst>
           </p:cNvPr>
@@ -3394,7 +3394,7 @@
           <a:graphicData uri="http://schemas.openxmlformats.org/presentationml/2006/ole">
             <mc:AlternateContent xmlns:mc="http://schemas.openxmlformats.org/markup-compatibility/2006">
               <mc:Choice xmlns:v="urn:schemas-microsoft-com:vml" Requires="v">
-                <p:oleObj spid="_x0000_s33825" name="think-cell Slide" r:id="rId4" imgW="216" imgH="216" progId="TCLayout.ActiveDocument.1">
+                <p:oleObj spid="_x0000_s33831" name="think-cell Slide" r:id="rId4" imgW="216" imgH="216" progId="TCLayout.ActiveDocument.1">
                   <p:embed/>
                 </p:oleObj>
               </mc:Choice>
@@ -3520,7 +3520,7 @@
           <p:cNvPr id="8" name="Title 7">
             <a:extLst>
               <a:ext uri="{FF2B5EF4-FFF2-40B4-BE49-F238E27FC236}">
-                <a16:creationId xmlns:a16="http://schemas.microsoft.com/office/drawing/2014/main" xmlns="" id="{8A6F1540-D306-D44E-B1B3-1ACCF1041F70}"/>
+                <a16:creationId xmlns="" xmlns:a16="http://schemas.microsoft.com/office/drawing/2014/main" id="{8A6F1540-D306-D44E-B1B3-1ACCF1041F70}"/>
               </a:ext>
             </a:extLst>
           </p:cNvPr>
@@ -3556,7 +3556,7 @@
           <p:cNvPr id="9" name="Content Placeholder 2">
             <a:extLst>
               <a:ext uri="{FF2B5EF4-FFF2-40B4-BE49-F238E27FC236}">
-                <a16:creationId xmlns:a16="http://schemas.microsoft.com/office/drawing/2014/main" xmlns="" id="{0A7C1352-3D49-F849-9BC3-BC0AF9CD8F04}"/>
+                <a16:creationId xmlns="" xmlns:a16="http://schemas.microsoft.com/office/drawing/2014/main" id="{0A7C1352-3D49-F849-9BC3-BC0AF9CD8F04}"/>
               </a:ext>
             </a:extLst>
           </p:cNvPr>
@@ -3648,7 +3648,7 @@
           <p:cNvPr id="10" name="Content Placeholder 2">
             <a:extLst>
               <a:ext uri="{FF2B5EF4-FFF2-40B4-BE49-F238E27FC236}">
-                <a16:creationId xmlns:a16="http://schemas.microsoft.com/office/drawing/2014/main" xmlns="" id="{D1AA7CFB-7669-2648-A3E1-E647E531399E}"/>
+                <a16:creationId xmlns="" xmlns:a16="http://schemas.microsoft.com/office/drawing/2014/main" id="{D1AA7CFB-7669-2648-A3E1-E647E531399E}"/>
               </a:ext>
             </a:extLst>
           </p:cNvPr>
@@ -3740,7 +3740,7 @@
           <p:cNvPr id="11" name="Content Placeholder 2">
             <a:extLst>
               <a:ext uri="{FF2B5EF4-FFF2-40B4-BE49-F238E27FC236}">
-                <a16:creationId xmlns:a16="http://schemas.microsoft.com/office/drawing/2014/main" xmlns="" id="{2E4B4082-D988-5D43-9C32-2C7F747717ED}"/>
+                <a16:creationId xmlns="" xmlns:a16="http://schemas.microsoft.com/office/drawing/2014/main" id="{2E4B4082-D988-5D43-9C32-2C7F747717ED}"/>
               </a:ext>
             </a:extLst>
           </p:cNvPr>
@@ -3832,7 +3832,7 @@
           <p:cNvPr id="12" name="Content Placeholder 2">
             <a:extLst>
               <a:ext uri="{FF2B5EF4-FFF2-40B4-BE49-F238E27FC236}">
-                <a16:creationId xmlns:a16="http://schemas.microsoft.com/office/drawing/2014/main" xmlns="" id="{45B8DE4D-1F9B-7341-8CB2-D70634815B55}"/>
+                <a16:creationId xmlns="" xmlns:a16="http://schemas.microsoft.com/office/drawing/2014/main" id="{45B8DE4D-1F9B-7341-8CB2-D70634815B55}"/>
               </a:ext>
             </a:extLst>
           </p:cNvPr>
@@ -3924,7 +3924,7 @@
           <p:cNvPr id="14" name="Footer Placeholder 3">
             <a:extLst>
               <a:ext uri="{FF2B5EF4-FFF2-40B4-BE49-F238E27FC236}">
-                <a16:creationId xmlns:a16="http://schemas.microsoft.com/office/drawing/2014/main" xmlns="" id="{DBA440F4-82E0-7E45-8A6F-4A8C7572AEE5}"/>
+                <a16:creationId xmlns="" xmlns:a16="http://schemas.microsoft.com/office/drawing/2014/main" id="{DBA440F4-82E0-7E45-8A6F-4A8C7572AEE5}"/>
               </a:ext>
             </a:extLst>
           </p:cNvPr>
@@ -3983,7 +3983,7 @@
           <p:cNvPr id="15" name="Slide Number Placeholder 5">
             <a:extLst>
               <a:ext uri="{FF2B5EF4-FFF2-40B4-BE49-F238E27FC236}">
-                <a16:creationId xmlns:a16="http://schemas.microsoft.com/office/drawing/2014/main" xmlns="" id="{CC67CD5C-67EC-5144-B858-5347C50D1ACD}"/>
+                <a16:creationId xmlns="" xmlns:a16="http://schemas.microsoft.com/office/drawing/2014/main" id="{CC67CD5C-67EC-5144-B858-5347C50D1ACD}"/>
               </a:ext>
             </a:extLst>
           </p:cNvPr>
@@ -4035,7 +4035,7 @@
           <p:cNvPr id="16" name="Straight Connector 15">
             <a:extLst>
               <a:ext uri="{FF2B5EF4-FFF2-40B4-BE49-F238E27FC236}">
-                <a16:creationId xmlns:a16="http://schemas.microsoft.com/office/drawing/2014/main" xmlns="" id="{95C486A1-9876-924E-85C2-906892F8B9AC}"/>
+                <a16:creationId xmlns="" xmlns:a16="http://schemas.microsoft.com/office/drawing/2014/main" id="{95C486A1-9876-924E-85C2-906892F8B9AC}"/>
               </a:ext>
             </a:extLst>
           </p:cNvPr>
@@ -4131,7 +4131,7 @@
           <a:graphicData uri="http://schemas.openxmlformats.org/presentationml/2006/ole">
             <mc:AlternateContent xmlns:mc="http://schemas.openxmlformats.org/markup-compatibility/2006">
               <mc:Choice xmlns:v="urn:schemas-microsoft-com:vml" Requires="v">
-                <p:oleObj spid="_x0000_s34849" name="think-cell Slide" r:id="rId4" imgW="216" imgH="216" progId="TCLayout.ActiveDocument.1">
+                <p:oleObj spid="_x0000_s34855" name="think-cell Slide" r:id="rId4" imgW="216" imgH="216" progId="TCLayout.ActiveDocument.1">
                   <p:embed/>
                 </p:oleObj>
               </mc:Choice>
@@ -4171,7 +4171,7 @@
           <p:cNvPr id="8" name="Title 7">
             <a:extLst>
               <a:ext uri="{FF2B5EF4-FFF2-40B4-BE49-F238E27FC236}">
-                <a16:creationId xmlns:a16="http://schemas.microsoft.com/office/drawing/2014/main" xmlns="" id="{8A6F1540-D306-D44E-B1B3-1ACCF1041F70}"/>
+                <a16:creationId xmlns="" xmlns:a16="http://schemas.microsoft.com/office/drawing/2014/main" id="{8A6F1540-D306-D44E-B1B3-1ACCF1041F70}"/>
               </a:ext>
             </a:extLst>
           </p:cNvPr>
@@ -4967,7 +4967,7 @@
           <p:cNvPr id="37" name="Footer Placeholder 3">
             <a:extLst>
               <a:ext uri="{FF2B5EF4-FFF2-40B4-BE49-F238E27FC236}">
-                <a16:creationId xmlns:a16="http://schemas.microsoft.com/office/drawing/2014/main" xmlns="" id="{DBA440F4-82E0-7E45-8A6F-4A8C7572AEE5}"/>
+                <a16:creationId xmlns="" xmlns:a16="http://schemas.microsoft.com/office/drawing/2014/main" id="{DBA440F4-82E0-7E45-8A6F-4A8C7572AEE5}"/>
               </a:ext>
             </a:extLst>
           </p:cNvPr>
@@ -5026,7 +5026,7 @@
           <p:cNvPr id="38" name="Slide Number Placeholder 5">
             <a:extLst>
               <a:ext uri="{FF2B5EF4-FFF2-40B4-BE49-F238E27FC236}">
-                <a16:creationId xmlns:a16="http://schemas.microsoft.com/office/drawing/2014/main" xmlns="" id="{CC67CD5C-67EC-5144-B858-5347C50D1ACD}"/>
+                <a16:creationId xmlns="" xmlns:a16="http://schemas.microsoft.com/office/drawing/2014/main" id="{CC67CD5C-67EC-5144-B858-5347C50D1ACD}"/>
               </a:ext>
             </a:extLst>
           </p:cNvPr>
@@ -5078,7 +5078,7 @@
           <p:cNvPr id="39" name="Straight Connector 38">
             <a:extLst>
               <a:ext uri="{FF2B5EF4-FFF2-40B4-BE49-F238E27FC236}">
-                <a16:creationId xmlns:a16="http://schemas.microsoft.com/office/drawing/2014/main" xmlns="" id="{95C486A1-9876-924E-85C2-906892F8B9AC}"/>
+                <a16:creationId xmlns="" xmlns:a16="http://schemas.microsoft.com/office/drawing/2014/main" id="{95C486A1-9876-924E-85C2-906892F8B9AC}"/>
               </a:ext>
             </a:extLst>
           </p:cNvPr>
@@ -5179,7 +5179,7 @@
           <a:graphicData uri="http://schemas.openxmlformats.org/presentationml/2006/ole">
             <mc:AlternateContent xmlns:mc="http://schemas.openxmlformats.org/markup-compatibility/2006">
               <mc:Choice xmlns:v="urn:schemas-microsoft-com:vml" Requires="v">
-                <p:oleObj spid="_x0000_s35873" name="think-cell Slide" r:id="rId5" imgW="216" imgH="216" progId="TCLayout.ActiveDocument.1">
+                <p:oleObj spid="_x0000_s35879" name="think-cell Slide" r:id="rId5" imgW="216" imgH="216" progId="TCLayout.ActiveDocument.1">
                   <p:embed/>
                 </p:oleObj>
               </mc:Choice>
@@ -5396,7 +5396,7 @@
           <p:cNvPr id="4" name="Footer Placeholder 3">
             <a:extLst>
               <a:ext uri="{FF2B5EF4-FFF2-40B4-BE49-F238E27FC236}">
-                <a16:creationId xmlns:a16="http://schemas.microsoft.com/office/drawing/2014/main" xmlns="" id="{17D6DE4C-D976-4B4B-B087-C035EF8D4F6F}"/>
+                <a16:creationId xmlns="" xmlns:a16="http://schemas.microsoft.com/office/drawing/2014/main" id="{17D6DE4C-D976-4B4B-B087-C035EF8D4F6F}"/>
               </a:ext>
             </a:extLst>
           </p:cNvPr>
@@ -5455,7 +5455,7 @@
           <p:cNvPr id="17" name="Slide Number Placeholder 5">
             <a:extLst>
               <a:ext uri="{FF2B5EF4-FFF2-40B4-BE49-F238E27FC236}">
-                <a16:creationId xmlns:a16="http://schemas.microsoft.com/office/drawing/2014/main" xmlns="" id="{CC67CD5C-67EC-5144-B858-5347C50D1ACD}"/>
+                <a16:creationId xmlns="" xmlns:a16="http://schemas.microsoft.com/office/drawing/2014/main" id="{CC67CD5C-67EC-5144-B858-5347C50D1ACD}"/>
               </a:ext>
             </a:extLst>
           </p:cNvPr>
@@ -5507,7 +5507,7 @@
           <p:cNvPr id="8" name="Title 7">
             <a:extLst>
               <a:ext uri="{FF2B5EF4-FFF2-40B4-BE49-F238E27FC236}">
-                <a16:creationId xmlns:a16="http://schemas.microsoft.com/office/drawing/2014/main" xmlns="" id="{8A6F1540-D306-D44E-B1B3-1ACCF1041F70}"/>
+                <a16:creationId xmlns="" xmlns:a16="http://schemas.microsoft.com/office/drawing/2014/main" id="{8A6F1540-D306-D44E-B1B3-1ACCF1041F70}"/>
               </a:ext>
             </a:extLst>
           </p:cNvPr>
@@ -5551,7 +5551,7 @@
           <p:cNvPr id="9" name="Straight Connector 8">
             <a:extLst>
               <a:ext uri="{FF2B5EF4-FFF2-40B4-BE49-F238E27FC236}">
-                <a16:creationId xmlns:a16="http://schemas.microsoft.com/office/drawing/2014/main" xmlns="" id="{BB1AA2BE-B537-254D-958A-FBAFDE7E90DC}"/>
+                <a16:creationId xmlns="" xmlns:a16="http://schemas.microsoft.com/office/drawing/2014/main" id="{BB1AA2BE-B537-254D-958A-FBAFDE7E90DC}"/>
               </a:ext>
             </a:extLst>
           </p:cNvPr>
@@ -5594,7 +5594,7 @@
           <p:cNvPr id="10" name="Straight Connector 9">
             <a:extLst>
               <a:ext uri="{FF2B5EF4-FFF2-40B4-BE49-F238E27FC236}">
-                <a16:creationId xmlns:a16="http://schemas.microsoft.com/office/drawing/2014/main" xmlns="" id="{95C486A1-9876-924E-85C2-906892F8B9AC}"/>
+                <a16:creationId xmlns="" xmlns:a16="http://schemas.microsoft.com/office/drawing/2014/main" id="{95C486A1-9876-924E-85C2-906892F8B9AC}"/>
               </a:ext>
             </a:extLst>
           </p:cNvPr>
@@ -5971,7 +5971,7 @@
           <a:graphicData uri="http://schemas.openxmlformats.org/presentationml/2006/ole">
             <mc:AlternateContent xmlns:mc="http://schemas.openxmlformats.org/markup-compatibility/2006">
               <mc:Choice xmlns:v="urn:schemas-microsoft-com:vml" Requires="v">
-                <p:oleObj spid="_x0000_s37921" name="think-cell Slide" r:id="rId5" imgW="216" imgH="216" progId="TCLayout.ActiveDocument.1">
+                <p:oleObj spid="_x0000_s37927" name="think-cell Slide" r:id="rId5" imgW="216" imgH="216" progId="TCLayout.ActiveDocument.1">
                   <p:embed/>
                 </p:oleObj>
               </mc:Choice>
@@ -6168,7 +6168,7 @@
           <p:cNvPr id="4" name="Footer Placeholder 3">
             <a:extLst>
               <a:ext uri="{FF2B5EF4-FFF2-40B4-BE49-F238E27FC236}">
-                <a16:creationId xmlns:a16="http://schemas.microsoft.com/office/drawing/2014/main" xmlns="" id="{17D6DE4C-D976-4B4B-B087-C035EF8D4F6F}"/>
+                <a16:creationId xmlns="" xmlns:a16="http://schemas.microsoft.com/office/drawing/2014/main" id="{17D6DE4C-D976-4B4B-B087-C035EF8D4F6F}"/>
               </a:ext>
             </a:extLst>
           </p:cNvPr>
@@ -6227,7 +6227,7 @@
           <p:cNvPr id="13" name="Straight Connector 12">
             <a:extLst>
               <a:ext uri="{FF2B5EF4-FFF2-40B4-BE49-F238E27FC236}">
-                <a16:creationId xmlns:a16="http://schemas.microsoft.com/office/drawing/2014/main" xmlns="" id="{95C486A1-9876-924E-85C2-906892F8B9AC}"/>
+                <a16:creationId xmlns="" xmlns:a16="http://schemas.microsoft.com/office/drawing/2014/main" id="{95C486A1-9876-924E-85C2-906892F8B9AC}"/>
               </a:ext>
             </a:extLst>
           </p:cNvPr>
@@ -6270,7 +6270,7 @@
           <p:cNvPr id="17" name="Slide Number Placeholder 5">
             <a:extLst>
               <a:ext uri="{FF2B5EF4-FFF2-40B4-BE49-F238E27FC236}">
-                <a16:creationId xmlns:a16="http://schemas.microsoft.com/office/drawing/2014/main" xmlns="" id="{CC67CD5C-67EC-5144-B858-5347C50D1ACD}"/>
+                <a16:creationId xmlns="" xmlns:a16="http://schemas.microsoft.com/office/drawing/2014/main" id="{CC67CD5C-67EC-5144-B858-5347C50D1ACD}"/>
               </a:ext>
             </a:extLst>
           </p:cNvPr>
@@ -6322,7 +6322,7 @@
           <p:cNvPr id="8" name="Title 7">
             <a:extLst>
               <a:ext uri="{FF2B5EF4-FFF2-40B4-BE49-F238E27FC236}">
-                <a16:creationId xmlns:a16="http://schemas.microsoft.com/office/drawing/2014/main" xmlns="" id="{8A6F1540-D306-D44E-B1B3-1ACCF1041F70}"/>
+                <a16:creationId xmlns="" xmlns:a16="http://schemas.microsoft.com/office/drawing/2014/main" id="{8A6F1540-D306-D44E-B1B3-1ACCF1041F70}"/>
               </a:ext>
             </a:extLst>
           </p:cNvPr>
@@ -6448,7 +6448,7 @@
           <a:graphicData uri="http://schemas.openxmlformats.org/presentationml/2006/ole">
             <mc:AlternateContent xmlns:mc="http://schemas.openxmlformats.org/markup-compatibility/2006">
               <mc:Choice xmlns:v="urn:schemas-microsoft-com:vml" Requires="v">
-                <p:oleObj spid="_x0000_s38945" name="think-cell Slide" r:id="rId4" imgW="216" imgH="216" progId="TCLayout.ActiveDocument.1">
+                <p:oleObj spid="_x0000_s38951" name="think-cell Slide" r:id="rId4" imgW="216" imgH="216" progId="TCLayout.ActiveDocument.1">
                   <p:embed/>
                 </p:oleObj>
               </mc:Choice>
@@ -6574,7 +6574,7 @@
           <p:cNvPr id="8" name="Title 7">
             <a:extLst>
               <a:ext uri="{FF2B5EF4-FFF2-40B4-BE49-F238E27FC236}">
-                <a16:creationId xmlns:a16="http://schemas.microsoft.com/office/drawing/2014/main" xmlns="" id="{8A6F1540-D306-D44E-B1B3-1ACCF1041F70}"/>
+                <a16:creationId xmlns="" xmlns:a16="http://schemas.microsoft.com/office/drawing/2014/main" id="{8A6F1540-D306-D44E-B1B3-1ACCF1041F70}"/>
               </a:ext>
             </a:extLst>
           </p:cNvPr>
@@ -6610,7 +6610,7 @@
           <p:cNvPr id="9" name="Content Placeholder 2">
             <a:extLst>
               <a:ext uri="{FF2B5EF4-FFF2-40B4-BE49-F238E27FC236}">
-                <a16:creationId xmlns:a16="http://schemas.microsoft.com/office/drawing/2014/main" xmlns="" id="{0A7C1352-3D49-F849-9BC3-BC0AF9CD8F04}"/>
+                <a16:creationId xmlns="" xmlns:a16="http://schemas.microsoft.com/office/drawing/2014/main" id="{0A7C1352-3D49-F849-9BC3-BC0AF9CD8F04}"/>
               </a:ext>
             </a:extLst>
           </p:cNvPr>
@@ -6702,7 +6702,7 @@
           <p:cNvPr id="10" name="Content Placeholder 2">
             <a:extLst>
               <a:ext uri="{FF2B5EF4-FFF2-40B4-BE49-F238E27FC236}">
-                <a16:creationId xmlns:a16="http://schemas.microsoft.com/office/drawing/2014/main" xmlns="" id="{D1AA7CFB-7669-2648-A3E1-E647E531399E}"/>
+                <a16:creationId xmlns="" xmlns:a16="http://schemas.microsoft.com/office/drawing/2014/main" id="{D1AA7CFB-7669-2648-A3E1-E647E531399E}"/>
               </a:ext>
             </a:extLst>
           </p:cNvPr>
@@ -6794,7 +6794,7 @@
           <p:cNvPr id="11" name="Content Placeholder 2">
             <a:extLst>
               <a:ext uri="{FF2B5EF4-FFF2-40B4-BE49-F238E27FC236}">
-                <a16:creationId xmlns:a16="http://schemas.microsoft.com/office/drawing/2014/main" xmlns="" id="{2E4B4082-D988-5D43-9C32-2C7F747717ED}"/>
+                <a16:creationId xmlns="" xmlns:a16="http://schemas.microsoft.com/office/drawing/2014/main" id="{2E4B4082-D988-5D43-9C32-2C7F747717ED}"/>
               </a:ext>
             </a:extLst>
           </p:cNvPr>
@@ -6886,7 +6886,7 @@
           <p:cNvPr id="12" name="Content Placeholder 2">
             <a:extLst>
               <a:ext uri="{FF2B5EF4-FFF2-40B4-BE49-F238E27FC236}">
-                <a16:creationId xmlns:a16="http://schemas.microsoft.com/office/drawing/2014/main" xmlns="" id="{45B8DE4D-1F9B-7341-8CB2-D70634815B55}"/>
+                <a16:creationId xmlns="" xmlns:a16="http://schemas.microsoft.com/office/drawing/2014/main" id="{45B8DE4D-1F9B-7341-8CB2-D70634815B55}"/>
               </a:ext>
             </a:extLst>
           </p:cNvPr>
@@ -6978,7 +6978,7 @@
           <p:cNvPr id="14" name="Footer Placeholder 3">
             <a:extLst>
               <a:ext uri="{FF2B5EF4-FFF2-40B4-BE49-F238E27FC236}">
-                <a16:creationId xmlns:a16="http://schemas.microsoft.com/office/drawing/2014/main" xmlns="" id="{DBA440F4-82E0-7E45-8A6F-4A8C7572AEE5}"/>
+                <a16:creationId xmlns="" xmlns:a16="http://schemas.microsoft.com/office/drawing/2014/main" id="{DBA440F4-82E0-7E45-8A6F-4A8C7572AEE5}"/>
               </a:ext>
             </a:extLst>
           </p:cNvPr>
@@ -7037,7 +7037,7 @@
           <p:cNvPr id="15" name="Slide Number Placeholder 5">
             <a:extLst>
               <a:ext uri="{FF2B5EF4-FFF2-40B4-BE49-F238E27FC236}">
-                <a16:creationId xmlns:a16="http://schemas.microsoft.com/office/drawing/2014/main" xmlns="" id="{CC67CD5C-67EC-5144-B858-5347C50D1ACD}"/>
+                <a16:creationId xmlns="" xmlns:a16="http://schemas.microsoft.com/office/drawing/2014/main" id="{CC67CD5C-67EC-5144-B858-5347C50D1ACD}"/>
               </a:ext>
             </a:extLst>
           </p:cNvPr>
@@ -7089,7 +7089,7 @@
           <p:cNvPr id="16" name="Straight Connector 15">
             <a:extLst>
               <a:ext uri="{FF2B5EF4-FFF2-40B4-BE49-F238E27FC236}">
-                <a16:creationId xmlns:a16="http://schemas.microsoft.com/office/drawing/2014/main" xmlns="" id="{95C486A1-9876-924E-85C2-906892F8B9AC}"/>
+                <a16:creationId xmlns="" xmlns:a16="http://schemas.microsoft.com/office/drawing/2014/main" id="{95C486A1-9876-924E-85C2-906892F8B9AC}"/>
               </a:ext>
             </a:extLst>
           </p:cNvPr>
@@ -7256,7 +7256,7 @@
           <a:p>
             <a:fld id="{CB9F8517-1271-4F8B-9742-ECB8BBF22693}" type="datetimeFigureOut">
               <a:rPr lang="en-US" smtClean="0"/>
-              <a:t>3/31/2022</a:t>
+              <a:t>4/1/2022</a:t>
             </a:fld>
             <a:endParaRPr lang="en-US"/>
           </a:p>
@@ -7355,7 +7355,7 @@
           <a:graphicData uri="http://schemas.openxmlformats.org/presentationml/2006/ole">
             <mc:AlternateContent xmlns:mc="http://schemas.openxmlformats.org/markup-compatibility/2006">
               <mc:Choice xmlns:v="urn:schemas-microsoft-com:vml" Requires="v">
-                <p:oleObj spid="_x0000_s39969" name="think-cell Slide" r:id="rId4" imgW="216" imgH="216" progId="TCLayout.ActiveDocument.1">
+                <p:oleObj spid="_x0000_s39975" name="think-cell Slide" r:id="rId4" imgW="216" imgH="216" progId="TCLayout.ActiveDocument.1">
                   <p:embed/>
                 </p:oleObj>
               </mc:Choice>
@@ -7395,7 +7395,7 @@
           <p:cNvPr id="8" name="Title 7">
             <a:extLst>
               <a:ext uri="{FF2B5EF4-FFF2-40B4-BE49-F238E27FC236}">
-                <a16:creationId xmlns:a16="http://schemas.microsoft.com/office/drawing/2014/main" xmlns="" id="{8A6F1540-D306-D44E-B1B3-1ACCF1041F70}"/>
+                <a16:creationId xmlns="" xmlns:a16="http://schemas.microsoft.com/office/drawing/2014/main" id="{8A6F1540-D306-D44E-B1B3-1ACCF1041F70}"/>
               </a:ext>
             </a:extLst>
           </p:cNvPr>
@@ -8191,7 +8191,7 @@
           <p:cNvPr id="37" name="Footer Placeholder 3">
             <a:extLst>
               <a:ext uri="{FF2B5EF4-FFF2-40B4-BE49-F238E27FC236}">
-                <a16:creationId xmlns:a16="http://schemas.microsoft.com/office/drawing/2014/main" xmlns="" id="{DBA440F4-82E0-7E45-8A6F-4A8C7572AEE5}"/>
+                <a16:creationId xmlns="" xmlns:a16="http://schemas.microsoft.com/office/drawing/2014/main" id="{DBA440F4-82E0-7E45-8A6F-4A8C7572AEE5}"/>
               </a:ext>
             </a:extLst>
           </p:cNvPr>
@@ -8250,7 +8250,7 @@
           <p:cNvPr id="38" name="Slide Number Placeholder 5">
             <a:extLst>
               <a:ext uri="{FF2B5EF4-FFF2-40B4-BE49-F238E27FC236}">
-                <a16:creationId xmlns:a16="http://schemas.microsoft.com/office/drawing/2014/main" xmlns="" id="{CC67CD5C-67EC-5144-B858-5347C50D1ACD}"/>
+                <a16:creationId xmlns="" xmlns:a16="http://schemas.microsoft.com/office/drawing/2014/main" id="{CC67CD5C-67EC-5144-B858-5347C50D1ACD}"/>
               </a:ext>
             </a:extLst>
           </p:cNvPr>
@@ -8302,7 +8302,7 @@
           <p:cNvPr id="39" name="Straight Connector 38">
             <a:extLst>
               <a:ext uri="{FF2B5EF4-FFF2-40B4-BE49-F238E27FC236}">
-                <a16:creationId xmlns:a16="http://schemas.microsoft.com/office/drawing/2014/main" xmlns="" id="{95C486A1-9876-924E-85C2-906892F8B9AC}"/>
+                <a16:creationId xmlns="" xmlns:a16="http://schemas.microsoft.com/office/drawing/2014/main" id="{95C486A1-9876-924E-85C2-906892F8B9AC}"/>
               </a:ext>
             </a:extLst>
           </p:cNvPr>
@@ -8403,7 +8403,7 @@
           <a:graphicData uri="http://schemas.openxmlformats.org/presentationml/2006/ole">
             <mc:AlternateContent xmlns:mc="http://schemas.openxmlformats.org/markup-compatibility/2006">
               <mc:Choice xmlns:v="urn:schemas-microsoft-com:vml" Requires="v">
-                <p:oleObj spid="_x0000_s40993" name="think-cell Slide" r:id="rId5" imgW="216" imgH="216" progId="TCLayout.ActiveDocument.1">
+                <p:oleObj spid="_x0000_s40999" name="think-cell Slide" r:id="rId5" imgW="216" imgH="216" progId="TCLayout.ActiveDocument.1">
                   <p:embed/>
                 </p:oleObj>
               </mc:Choice>
@@ -8620,7 +8620,7 @@
           <p:cNvPr id="4" name="Footer Placeholder 3">
             <a:extLst>
               <a:ext uri="{FF2B5EF4-FFF2-40B4-BE49-F238E27FC236}">
-                <a16:creationId xmlns:a16="http://schemas.microsoft.com/office/drawing/2014/main" xmlns="" id="{17D6DE4C-D976-4B4B-B087-C035EF8D4F6F}"/>
+                <a16:creationId xmlns="" xmlns:a16="http://schemas.microsoft.com/office/drawing/2014/main" id="{17D6DE4C-D976-4B4B-B087-C035EF8D4F6F}"/>
               </a:ext>
             </a:extLst>
           </p:cNvPr>
@@ -8679,7 +8679,7 @@
           <p:cNvPr id="17" name="Slide Number Placeholder 5">
             <a:extLst>
               <a:ext uri="{FF2B5EF4-FFF2-40B4-BE49-F238E27FC236}">
-                <a16:creationId xmlns:a16="http://schemas.microsoft.com/office/drawing/2014/main" xmlns="" id="{CC67CD5C-67EC-5144-B858-5347C50D1ACD}"/>
+                <a16:creationId xmlns="" xmlns:a16="http://schemas.microsoft.com/office/drawing/2014/main" id="{CC67CD5C-67EC-5144-B858-5347C50D1ACD}"/>
               </a:ext>
             </a:extLst>
           </p:cNvPr>
@@ -8731,7 +8731,7 @@
           <p:cNvPr id="8" name="Title 7">
             <a:extLst>
               <a:ext uri="{FF2B5EF4-FFF2-40B4-BE49-F238E27FC236}">
-                <a16:creationId xmlns:a16="http://schemas.microsoft.com/office/drawing/2014/main" xmlns="" id="{8A6F1540-D306-D44E-B1B3-1ACCF1041F70}"/>
+                <a16:creationId xmlns="" xmlns:a16="http://schemas.microsoft.com/office/drawing/2014/main" id="{8A6F1540-D306-D44E-B1B3-1ACCF1041F70}"/>
               </a:ext>
             </a:extLst>
           </p:cNvPr>
@@ -8775,7 +8775,7 @@
           <p:cNvPr id="9" name="Straight Connector 8">
             <a:extLst>
               <a:ext uri="{FF2B5EF4-FFF2-40B4-BE49-F238E27FC236}">
-                <a16:creationId xmlns:a16="http://schemas.microsoft.com/office/drawing/2014/main" xmlns="" id="{BB1AA2BE-B537-254D-958A-FBAFDE7E90DC}"/>
+                <a16:creationId xmlns="" xmlns:a16="http://schemas.microsoft.com/office/drawing/2014/main" id="{BB1AA2BE-B537-254D-958A-FBAFDE7E90DC}"/>
               </a:ext>
             </a:extLst>
           </p:cNvPr>
@@ -8818,7 +8818,7 @@
           <p:cNvPr id="10" name="Straight Connector 9">
             <a:extLst>
               <a:ext uri="{FF2B5EF4-FFF2-40B4-BE49-F238E27FC236}">
-                <a16:creationId xmlns:a16="http://schemas.microsoft.com/office/drawing/2014/main" xmlns="" id="{95C486A1-9876-924E-85C2-906892F8B9AC}"/>
+                <a16:creationId xmlns="" xmlns:a16="http://schemas.microsoft.com/office/drawing/2014/main" id="{95C486A1-9876-924E-85C2-906892F8B9AC}"/>
               </a:ext>
             </a:extLst>
           </p:cNvPr>
@@ -9342,7 +9342,7 @@
           <a:p>
             <a:fld id="{CB9F8517-1271-4F8B-9742-ECB8BBF22693}" type="datetimeFigureOut">
               <a:rPr lang="en-US" smtClean="0"/>
-              <a:t>3/31/2022</a:t>
+              <a:t>4/1/2022</a:t>
             </a:fld>
             <a:endParaRPr lang="en-US"/>
           </a:p>
@@ -9574,7 +9574,7 @@
           <a:p>
             <a:fld id="{CB9F8517-1271-4F8B-9742-ECB8BBF22693}" type="datetimeFigureOut">
               <a:rPr lang="en-US" smtClean="0"/>
-              <a:t>3/31/2022</a:t>
+              <a:t>4/1/2022</a:t>
             </a:fld>
             <a:endParaRPr lang="en-US"/>
           </a:p>
@@ -9941,7 +9941,7 @@
           <a:p>
             <a:fld id="{CB9F8517-1271-4F8B-9742-ECB8BBF22693}" type="datetimeFigureOut">
               <a:rPr lang="en-US" smtClean="0"/>
-              <a:t>3/31/2022</a:t>
+              <a:t>4/1/2022</a:t>
             </a:fld>
             <a:endParaRPr lang="en-US"/>
           </a:p>
@@ -10059,7 +10059,7 @@
           <a:p>
             <a:fld id="{CB9F8517-1271-4F8B-9742-ECB8BBF22693}" type="datetimeFigureOut">
               <a:rPr lang="en-US" smtClean="0"/>
-              <a:t>3/31/2022</a:t>
+              <a:t>4/1/2022</a:t>
             </a:fld>
             <a:endParaRPr lang="en-US"/>
           </a:p>
@@ -10154,7 +10154,7 @@
           <a:p>
             <a:fld id="{CB9F8517-1271-4F8B-9742-ECB8BBF22693}" type="datetimeFigureOut">
               <a:rPr lang="en-US" smtClean="0"/>
-              <a:t>3/31/2022</a:t>
+              <a:t>4/1/2022</a:t>
             </a:fld>
             <a:endParaRPr lang="en-US"/>
           </a:p>
@@ -10431,7 +10431,7 @@
           <a:p>
             <a:fld id="{CB9F8517-1271-4F8B-9742-ECB8BBF22693}" type="datetimeFigureOut">
               <a:rPr lang="en-US" smtClean="0"/>
-              <a:t>3/31/2022</a:t>
+              <a:t>4/1/2022</a:t>
             </a:fld>
             <a:endParaRPr lang="en-US"/>
           </a:p>
@@ -10684,7 +10684,7 @@
           <a:p>
             <a:fld id="{CB9F8517-1271-4F8B-9742-ECB8BBF22693}" type="datetimeFigureOut">
               <a:rPr lang="en-US" smtClean="0"/>
-              <a:t>3/31/2022</a:t>
+              <a:t>4/1/2022</a:t>
             </a:fld>
             <a:endParaRPr lang="en-US"/>
           </a:p>
@@ -10792,7 +10792,7 @@
           <a:graphicData uri="http://schemas.openxmlformats.org/presentationml/2006/ole">
             <mc:AlternateContent xmlns:mc="http://schemas.openxmlformats.org/markup-compatibility/2006">
               <mc:Choice xmlns:v="urn:schemas-microsoft-com:vml" Requires="v">
-                <p:oleObj spid="_x0000_s1069" name="think-cell Slide" r:id="rId16" imgW="416" imgH="416" progId="TCLayout.ActiveDocument.1">
+                <p:oleObj spid="_x0000_s1075" name="think-cell Slide" r:id="rId16" imgW="416" imgH="416" progId="TCLayout.ActiveDocument.1">
                   <p:embed/>
                 </p:oleObj>
               </mc:Choice>
@@ -10957,7 +10957,7 @@
           <a:p>
             <a:fld id="{CB9F8517-1271-4F8B-9742-ECB8BBF22693}" type="datetimeFigureOut">
               <a:rPr lang="en-US" smtClean="0"/>
-              <a:t>3/31/2022</a:t>
+              <a:t>4/1/2022</a:t>
             </a:fld>
             <a:endParaRPr lang="en-US"/>
           </a:p>
@@ -11393,7 +11393,7 @@
           <a:graphicData uri="http://schemas.openxmlformats.org/presentationml/2006/ole">
             <mc:AlternateContent xmlns:mc="http://schemas.openxmlformats.org/markup-compatibility/2006">
               <mc:Choice xmlns:v="urn:schemas-microsoft-com:vml" Requires="v">
-                <p:oleObj spid="_x0000_s31777" name="think-cell Slide" r:id="rId10" imgW="216" imgH="216" progId="TCLayout.ActiveDocument.1">
+                <p:oleObj spid="_x0000_s31783" name="think-cell Slide" r:id="rId10" imgW="216" imgH="216" progId="TCLayout.ActiveDocument.1">
                   <p:embed/>
                 </p:oleObj>
               </mc:Choice>
@@ -11513,7 +11513,7 @@
           <p:cNvPr id="10" name="Straight Connector 9">
             <a:extLst>
               <a:ext uri="{FF2B5EF4-FFF2-40B4-BE49-F238E27FC236}">
-                <a16:creationId xmlns:a16="http://schemas.microsoft.com/office/drawing/2014/main" xmlns="" id="{BB1AA2BE-B537-254D-958A-FBAFDE7E90DC}"/>
+                <a16:creationId xmlns="" xmlns:a16="http://schemas.microsoft.com/office/drawing/2014/main" id="{BB1AA2BE-B537-254D-958A-FBAFDE7E90DC}"/>
               </a:ext>
             </a:extLst>
           </p:cNvPr>
@@ -11556,7 +11556,7 @@
           <p:cNvPr id="15" name="Footer Placeholder 3">
             <a:extLst>
               <a:ext uri="{FF2B5EF4-FFF2-40B4-BE49-F238E27FC236}">
-                <a16:creationId xmlns:a16="http://schemas.microsoft.com/office/drawing/2014/main" xmlns="" id="{DBA440F4-82E0-7E45-8A6F-4A8C7572AEE5}"/>
+                <a16:creationId xmlns="" xmlns:a16="http://schemas.microsoft.com/office/drawing/2014/main" id="{DBA440F4-82E0-7E45-8A6F-4A8C7572AEE5}"/>
               </a:ext>
             </a:extLst>
           </p:cNvPr>
@@ -11615,7 +11615,7 @@
           <p:cNvPr id="16" name="Slide Number Placeholder 5">
             <a:extLst>
               <a:ext uri="{FF2B5EF4-FFF2-40B4-BE49-F238E27FC236}">
-                <a16:creationId xmlns:a16="http://schemas.microsoft.com/office/drawing/2014/main" xmlns="" id="{2D9636C8-FF6B-E141-B9E1-70C7091B23B1}"/>
+                <a16:creationId xmlns="" xmlns:a16="http://schemas.microsoft.com/office/drawing/2014/main" id="{2D9636C8-FF6B-E141-B9E1-70C7091B23B1}"/>
               </a:ext>
             </a:extLst>
           </p:cNvPr>
@@ -11982,7 +11982,7 @@
   </p:txStyles>
   <p:extLst mod="1">
     <p:ext uri="{27BBF7A9-308A-43DC-89C8-2F10F3537804}">
-      <p15:sldGuideLst xmlns:p15="http://schemas.microsoft.com/office/powerpoint/2012/main" xmlns="">
+      <p15:sldGuideLst xmlns="" xmlns:p15="http://schemas.microsoft.com/office/powerpoint/2012/main">
         <p15:guide id="1" orient="horz" pos="2041">
           <p15:clr>
             <a:srgbClr val="F26B43"/>
@@ -12151,7 +12151,7 @@
           <a:graphicData uri="http://schemas.openxmlformats.org/presentationml/2006/ole">
             <mc:AlternateContent xmlns:mc="http://schemas.openxmlformats.org/markup-compatibility/2006">
               <mc:Choice xmlns:v="urn:schemas-microsoft-com:vml" Requires="v">
-                <p:oleObj spid="_x0000_s36898" name="think-cell Slide" r:id="rId10" imgW="216" imgH="216" progId="TCLayout.ActiveDocument.1">
+                <p:oleObj spid="_x0000_s36904" name="think-cell Slide" r:id="rId10" imgW="216" imgH="216" progId="TCLayout.ActiveDocument.1">
                   <p:embed/>
                 </p:oleObj>
               </mc:Choice>
@@ -12271,7 +12271,7 @@
           <p:cNvPr id="10" name="Straight Connector 9">
             <a:extLst>
               <a:ext uri="{FF2B5EF4-FFF2-40B4-BE49-F238E27FC236}">
-                <a16:creationId xmlns:a16="http://schemas.microsoft.com/office/drawing/2014/main" xmlns="" id="{BB1AA2BE-B537-254D-958A-FBAFDE7E90DC}"/>
+                <a16:creationId xmlns="" xmlns:a16="http://schemas.microsoft.com/office/drawing/2014/main" id="{BB1AA2BE-B537-254D-958A-FBAFDE7E90DC}"/>
               </a:ext>
             </a:extLst>
           </p:cNvPr>
@@ -12314,7 +12314,7 @@
           <p:cNvPr id="15" name="Footer Placeholder 3">
             <a:extLst>
               <a:ext uri="{FF2B5EF4-FFF2-40B4-BE49-F238E27FC236}">
-                <a16:creationId xmlns:a16="http://schemas.microsoft.com/office/drawing/2014/main" xmlns="" id="{DBA440F4-82E0-7E45-8A6F-4A8C7572AEE5}"/>
+                <a16:creationId xmlns="" xmlns:a16="http://schemas.microsoft.com/office/drawing/2014/main" id="{DBA440F4-82E0-7E45-8A6F-4A8C7572AEE5}"/>
               </a:ext>
             </a:extLst>
           </p:cNvPr>
@@ -12373,7 +12373,7 @@
           <p:cNvPr id="16" name="Slide Number Placeholder 5">
             <a:extLst>
               <a:ext uri="{FF2B5EF4-FFF2-40B4-BE49-F238E27FC236}">
-                <a16:creationId xmlns:a16="http://schemas.microsoft.com/office/drawing/2014/main" xmlns="" id="{2D9636C8-FF6B-E141-B9E1-70C7091B23B1}"/>
+                <a16:creationId xmlns="" xmlns:a16="http://schemas.microsoft.com/office/drawing/2014/main" id="{2D9636C8-FF6B-E141-B9E1-70C7091B23B1}"/>
               </a:ext>
             </a:extLst>
           </p:cNvPr>
@@ -12740,7 +12740,7 @@
   </p:txStyles>
   <p:extLst mod="1">
     <p:ext uri="{27BBF7A9-308A-43DC-89C8-2F10F3537804}">
-      <p15:sldGuideLst xmlns:p15="http://schemas.microsoft.com/office/powerpoint/2012/main" xmlns="">
+      <p15:sldGuideLst xmlns="" xmlns:p15="http://schemas.microsoft.com/office/powerpoint/2012/main">
         <p15:guide id="1" orient="horz" pos="2041">
           <p15:clr>
             <a:srgbClr val="F26B43"/>
@@ -12904,7 +12904,7 @@
           <a:graphicData uri="http://schemas.openxmlformats.org/presentationml/2006/ole">
             <mc:AlternateContent xmlns:mc="http://schemas.openxmlformats.org/markup-compatibility/2006">
               <mc:Choice xmlns:v="urn:schemas-microsoft-com:vml" Requires="v">
-                <p:oleObj spid="_x0000_s14384" name="think-cell Slide" r:id="rId5" imgW="396" imgH="396" progId="TCLayout.ActiveDocument.1">
+                <p:oleObj spid="_x0000_s14390" name="think-cell Slide" r:id="rId5" imgW="396" imgH="396" progId="TCLayout.ActiveDocument.1">
                   <p:embed/>
                 </p:oleObj>
               </mc:Choice>
@@ -12944,7 +12944,7 @@
           <p:cNvPr id="63" name="图片 2">
             <a:extLst>
               <a:ext uri="{FF2B5EF4-FFF2-40B4-BE49-F238E27FC236}">
-                <a16:creationId xmlns:a16="http://schemas.microsoft.com/office/drawing/2014/main" xmlns="" id="{321341A2-5A29-6A47-A5DC-E12071424359}"/>
+                <a16:creationId xmlns="" xmlns:a16="http://schemas.microsoft.com/office/drawing/2014/main" id="{321341A2-5A29-6A47-A5DC-E12071424359}"/>
               </a:ext>
             </a:extLst>
           </p:cNvPr>
@@ -12980,7 +12980,7 @@
           <p:cNvPr id="69" name="矩形 197">
             <a:extLst>
               <a:ext uri="{FF2B5EF4-FFF2-40B4-BE49-F238E27FC236}">
-                <a16:creationId xmlns:a16="http://schemas.microsoft.com/office/drawing/2014/main" xmlns="" id="{A26E02F6-ED45-2E46-B455-D7E64937829D}"/>
+                <a16:creationId xmlns="" xmlns:a16="http://schemas.microsoft.com/office/drawing/2014/main" id="{A26E02F6-ED45-2E46-B455-D7E64937829D}"/>
               </a:ext>
             </a:extLst>
           </p:cNvPr>
@@ -14815,7 +14815,7 @@
           <p:cNvPr id="37" name="Straight Connector 22">
             <a:extLst>
               <a:ext uri="{FF2B5EF4-FFF2-40B4-BE49-F238E27FC236}">
-                <a16:creationId xmlns:a16="http://schemas.microsoft.com/office/drawing/2014/main" xmlns="" id="{145705CD-70A8-344F-AEB6-14ED3BCA6F5B}"/>
+                <a16:creationId xmlns="" xmlns:a16="http://schemas.microsoft.com/office/drawing/2014/main" id="{145705CD-70A8-344F-AEB6-14ED3BCA6F5B}"/>
               </a:ext>
             </a:extLst>
           </p:cNvPr>
@@ -14868,7 +14868,7 @@
           <p:cNvPr id="42" name="Title 2">
             <a:extLst>
               <a:ext uri="{FF2B5EF4-FFF2-40B4-BE49-F238E27FC236}">
-                <a16:creationId xmlns:a16="http://schemas.microsoft.com/office/drawing/2014/main" xmlns="" id="{2AA0B7C0-B58E-2540-93F4-0E5771E03B19}"/>
+                <a16:creationId xmlns="" xmlns:a16="http://schemas.microsoft.com/office/drawing/2014/main" id="{2AA0B7C0-B58E-2540-93F4-0E5771E03B19}"/>
               </a:ext>
             </a:extLst>
           </p:cNvPr>
@@ -15744,7 +15744,7 @@
           <a:graphicData uri="http://schemas.openxmlformats.org/presentationml/2006/ole">
             <mc:AlternateContent xmlns:mc="http://schemas.openxmlformats.org/markup-compatibility/2006">
               <mc:Choice xmlns:v="urn:schemas-microsoft-com:vml" Requires="v">
-                <p:oleObj spid="_x0000_s42024" name="think-cell Slide" r:id="rId6" imgW="416" imgH="416" progId="TCLayout.ActiveDocument.1">
+                <p:oleObj spid="_x0000_s42030" name="think-cell Slide" r:id="rId6" imgW="416" imgH="416" progId="TCLayout.ActiveDocument.1">
                   <p:embed/>
                 </p:oleObj>
               </mc:Choice>
@@ -16148,7 +16148,7 @@
           <p:nvPr>
             <p:extLst>
               <p:ext uri="{D42A27DB-BD31-4B8C-83A1-F6EECF244321}">
-                <p14:modId xmlns:p14="http://schemas.microsoft.com/office/powerpoint/2010/main" val="1954897931"/>
+                <p14:modId xmlns:p14="http://schemas.microsoft.com/office/powerpoint/2010/main" val="4197255004"/>
               </p:ext>
             </p:extLst>
           </p:nvPr>
@@ -16167,35 +16167,35 @@
                 <a:gridCol w="1624339">
                   <a:extLst>
                     <a:ext uri="{9D8B030D-6E8A-4147-A177-3AD203B41FA5}">
-                      <a16:colId xmlns:a16="http://schemas.microsoft.com/office/drawing/2014/main" xmlns="" val="1228268629"/>
+                      <a16:colId xmlns="" xmlns:a16="http://schemas.microsoft.com/office/drawing/2014/main" val="1228268629"/>
                     </a:ext>
                   </a:extLst>
                 </a:gridCol>
                 <a:gridCol w="1886015">
                   <a:extLst>
                     <a:ext uri="{9D8B030D-6E8A-4147-A177-3AD203B41FA5}">
-                      <a16:colId xmlns:a16="http://schemas.microsoft.com/office/drawing/2014/main" xmlns="" val="4045974056"/>
+                      <a16:colId xmlns="" xmlns:a16="http://schemas.microsoft.com/office/drawing/2014/main" val="4045974056"/>
                     </a:ext>
                   </a:extLst>
                 </a:gridCol>
                 <a:gridCol w="1428139">
                   <a:extLst>
                     <a:ext uri="{9D8B030D-6E8A-4147-A177-3AD203B41FA5}">
-                      <a16:colId xmlns:a16="http://schemas.microsoft.com/office/drawing/2014/main" xmlns="" val="2462729159"/>
+                      <a16:colId xmlns="" xmlns:a16="http://schemas.microsoft.com/office/drawing/2014/main" val="2462729159"/>
                     </a:ext>
                   </a:extLst>
                 </a:gridCol>
                 <a:gridCol w="2349121">
                   <a:extLst>
                     <a:ext uri="{9D8B030D-6E8A-4147-A177-3AD203B41FA5}">
-                      <a16:colId xmlns:a16="http://schemas.microsoft.com/office/drawing/2014/main" xmlns="" val="978489334"/>
+                      <a16:colId xmlns="" xmlns:a16="http://schemas.microsoft.com/office/drawing/2014/main" val="978489334"/>
                     </a:ext>
                   </a:extLst>
                 </a:gridCol>
                 <a:gridCol w="3777260">
                   <a:extLst>
                     <a:ext uri="{9D8B030D-6E8A-4147-A177-3AD203B41FA5}">
-                      <a16:colId xmlns:a16="http://schemas.microsoft.com/office/drawing/2014/main" xmlns="" val="988664389"/>
+                      <a16:colId xmlns="" xmlns:a16="http://schemas.microsoft.com/office/drawing/2014/main" val="988664389"/>
                     </a:ext>
                   </a:extLst>
                 </a:gridCol>
@@ -16365,7 +16365,7 @@
                 </a:tc>
                 <a:extLst>
                   <a:ext uri="{0D108BD9-81ED-4DB2-BD59-A6C34878D82A}">
-                    <a16:rowId xmlns:a16="http://schemas.microsoft.com/office/drawing/2014/main" xmlns="" val="1879564901"/>
+                    <a16:rowId xmlns="" xmlns:a16="http://schemas.microsoft.com/office/drawing/2014/main" val="1879564901"/>
                   </a:ext>
                 </a:extLst>
               </a:tr>
@@ -16470,17 +16470,14 @@
                         <a:tabLst/>
                         <a:defRPr/>
                       </a:pPr>
-                      <a:r>
-                        <a:rPr lang="en-US" sz="1200" b="0" kern="1200" dirty="0" smtClean="0">
-                          <a:solidFill>
-                            <a:schemeClr val="tx1"/>
-                          </a:solidFill>
-                          <a:latin typeface="+mn-lt"/>
-                          <a:ea typeface="+mn-ea"/>
-                          <a:cs typeface="+mn-cs"/>
-                        </a:rPr>
-                        <a:t>XXXX</a:t>
-                      </a:r>
+                      <a:endParaRPr lang="en-US" sz="1200" b="0" kern="1200" dirty="0" smtClean="0">
+                        <a:solidFill>
+                          <a:schemeClr val="tx1"/>
+                        </a:solidFill>
+                        <a:latin typeface="+mn-lt"/>
+                        <a:ea typeface="+mn-ea"/>
+                        <a:cs typeface="+mn-cs"/>
+                      </a:endParaRPr>
                     </a:p>
                   </a:txBody>
                   <a:tcPr marL="102727" marR="102727" marT="51364" marB="51364" anchor="ctr">
@@ -16585,17 +16582,14 @@
                         <a:tabLst/>
                         <a:defRPr/>
                       </a:pPr>
-                      <a:r>
-                        <a:rPr lang="en-US" sz="1200" b="0" kern="1200" dirty="0" smtClean="0">
-                          <a:solidFill>
-                            <a:schemeClr val="tx1"/>
-                          </a:solidFill>
-                          <a:latin typeface="+mn-lt"/>
-                          <a:ea typeface="+mn-ea"/>
-                          <a:cs typeface="+mn-cs"/>
-                        </a:rPr>
-                        <a:t>XX/XX/2022 – XX/XX/2022</a:t>
-                      </a:r>
+                      <a:endParaRPr lang="en-US" sz="1200" b="0" kern="1200" dirty="0" smtClean="0">
+                        <a:solidFill>
+                          <a:schemeClr val="tx1"/>
+                        </a:solidFill>
+                        <a:latin typeface="+mn-lt"/>
+                        <a:ea typeface="+mn-ea"/>
+                        <a:cs typeface="+mn-cs"/>
+                      </a:endParaRPr>
                     </a:p>
                   </a:txBody>
                   <a:tcPr marL="102727" marR="102727" marT="51364" marB="51364" anchor="ctr">
@@ -16606,7 +16600,7 @@
                 </a:tc>
                 <a:extLst>
                   <a:ext uri="{0D108BD9-81ED-4DB2-BD59-A6C34878D82A}">
-                    <a16:rowId xmlns:a16="http://schemas.microsoft.com/office/drawing/2014/main" xmlns="" val="359195167"/>
+                    <a16:rowId xmlns="" xmlns:a16="http://schemas.microsoft.com/office/drawing/2014/main" val="359195167"/>
                   </a:ext>
                 </a:extLst>
               </a:tr>
@@ -16679,14 +16673,6 @@
                     <a:bodyPr/>
                     <a:lstStyle/>
                     <a:p>
-                      <a:r>
-                        <a:rPr lang="en-US" sz="1200" dirty="0" smtClean="0">
-                          <a:solidFill>
-                            <a:schemeClr val="tx1"/>
-                          </a:solidFill>
-                        </a:rPr>
-                        <a:t>XXXX</a:t>
-                      </a:r>
                       <a:endParaRPr lang="en-US" sz="1200" dirty="0">
                         <a:solidFill>
                           <a:schemeClr val="tx1"/>
@@ -16765,7 +16751,7 @@
                 </a:tc>
                 <a:extLst>
                   <a:ext uri="{0D108BD9-81ED-4DB2-BD59-A6C34878D82A}">
-                    <a16:rowId xmlns:a16="http://schemas.microsoft.com/office/drawing/2014/main" xmlns="" val="2388008764"/>
+                    <a16:rowId xmlns="" xmlns:a16="http://schemas.microsoft.com/office/drawing/2014/main" val="2388008764"/>
                   </a:ext>
                 </a:extLst>
               </a:tr>
@@ -17065,7 +17051,7 @@
                 </a:tc>
                 <a:extLst>
                   <a:ext uri="{0D108BD9-81ED-4DB2-BD59-A6C34878D82A}">
-                    <a16:rowId xmlns:a16="http://schemas.microsoft.com/office/drawing/2014/main" xmlns="" val="3742758418"/>
+                    <a16:rowId xmlns="" xmlns:a16="http://schemas.microsoft.com/office/drawing/2014/main" val="3742758418"/>
                   </a:ext>
                 </a:extLst>
               </a:tr>
@@ -17207,14 +17193,6 @@
                     <a:bodyPr/>
                     <a:lstStyle/>
                     <a:p>
-                      <a:r>
-                        <a:rPr lang="en-US" sz="1200" dirty="0" smtClean="0">
-                          <a:solidFill>
-                            <a:schemeClr val="tx1"/>
-                          </a:solidFill>
-                        </a:rPr>
-                        <a:t>XX</a:t>
-                      </a:r>
                       <a:endParaRPr lang="en-US" sz="1200" dirty="0">
                         <a:solidFill>
                           <a:schemeClr val="tx1"/>
@@ -17275,14 +17253,6 @@
                     <a:bodyPr/>
                     <a:lstStyle/>
                     <a:p>
-                      <a:r>
-                        <a:rPr lang="en-US" sz="1200" dirty="0" smtClean="0">
-                          <a:solidFill>
-                            <a:schemeClr val="tx1"/>
-                          </a:solidFill>
-                        </a:rPr>
-                        <a:t>XX</a:t>
-                      </a:r>
                       <a:endParaRPr lang="en-US" sz="1200" dirty="0">
                         <a:solidFill>
                           <a:schemeClr val="tx1"/>
@@ -17300,7 +17270,7 @@
                 </a:tc>
                 <a:extLst>
                   <a:ext uri="{0D108BD9-81ED-4DB2-BD59-A6C34878D82A}">
-                    <a16:rowId xmlns:a16="http://schemas.microsoft.com/office/drawing/2014/main" xmlns="" val="3286601418"/>
+                    <a16:rowId xmlns="" xmlns:a16="http://schemas.microsoft.com/office/drawing/2014/main" val="3286601418"/>
                   </a:ext>
                 </a:extLst>
               </a:tr>
@@ -17442,14 +17412,6 @@
                     <a:bodyPr/>
                     <a:lstStyle/>
                     <a:p>
-                      <a:r>
-                        <a:rPr lang="en-US" sz="1200" dirty="0" smtClean="0">
-                          <a:solidFill>
-                            <a:schemeClr val="tx1"/>
-                          </a:solidFill>
-                        </a:rPr>
-                        <a:t>XX</a:t>
-                      </a:r>
                       <a:endParaRPr lang="en-US" sz="1200" dirty="0">
                         <a:solidFill>
                           <a:schemeClr val="tx1"/>
@@ -17510,14 +17472,6 @@
                     <a:bodyPr/>
                     <a:lstStyle/>
                     <a:p>
-                      <a:r>
-                        <a:rPr lang="en-US" sz="1200" dirty="0" smtClean="0">
-                          <a:solidFill>
-                            <a:schemeClr val="tx1"/>
-                          </a:solidFill>
-                        </a:rPr>
-                        <a:t>XX</a:t>
-                      </a:r>
                       <a:endParaRPr lang="en-US" sz="1200" dirty="0">
                         <a:solidFill>
                           <a:schemeClr val="tx1"/>
@@ -17535,7 +17489,7 @@
                 </a:tc>
                 <a:extLst>
                   <a:ext uri="{0D108BD9-81ED-4DB2-BD59-A6C34878D82A}">
-                    <a16:rowId xmlns:a16="http://schemas.microsoft.com/office/drawing/2014/main" xmlns="" val="628591838"/>
+                    <a16:rowId xmlns="" xmlns:a16="http://schemas.microsoft.com/office/drawing/2014/main" val="628591838"/>
                   </a:ext>
                 </a:extLst>
               </a:tr>
@@ -17666,14 +17620,6 @@
                     <a:bodyPr/>
                     <a:lstStyle/>
                     <a:p>
-                      <a:r>
-                        <a:rPr lang="en-US" sz="1200" dirty="0" smtClean="0">
-                          <a:solidFill>
-                            <a:schemeClr val="tx1"/>
-                          </a:solidFill>
-                        </a:rPr>
-                        <a:t>RMB X,XXX</a:t>
-                      </a:r>
                       <a:endParaRPr lang="en-US" sz="1200" dirty="0">
                         <a:solidFill>
                           <a:schemeClr val="tx1"/>
@@ -17734,14 +17680,6 @@
                     <a:bodyPr/>
                     <a:lstStyle/>
                     <a:p>
-                      <a:r>
-                        <a:rPr lang="en-US" sz="1200" dirty="0" smtClean="0">
-                          <a:solidFill>
-                            <a:schemeClr val="tx1"/>
-                          </a:solidFill>
-                        </a:rPr>
-                        <a:t>RMB X,XXX</a:t>
-                      </a:r>
                       <a:endParaRPr lang="en-US" sz="1200" dirty="0">
                         <a:solidFill>
                           <a:schemeClr val="tx1"/>
@@ -17759,7 +17697,7 @@
                 </a:tc>
                 <a:extLst>
                   <a:ext uri="{0D108BD9-81ED-4DB2-BD59-A6C34878D82A}">
-                    <a16:rowId xmlns:a16="http://schemas.microsoft.com/office/drawing/2014/main" xmlns="" val="1485137538"/>
+                    <a16:rowId xmlns="" xmlns:a16="http://schemas.microsoft.com/office/drawing/2014/main" val="1485137538"/>
                   </a:ext>
                 </a:extLst>
               </a:tr>
@@ -17915,14 +17853,6 @@
                     <a:bodyPr/>
                     <a:lstStyle/>
                     <a:p>
-                      <a:r>
-                        <a:rPr lang="en-US" sz="1200" dirty="0" smtClean="0">
-                          <a:solidFill>
-                            <a:schemeClr val="tx1"/>
-                          </a:solidFill>
-                        </a:rPr>
-                        <a:t>XX</a:t>
-                      </a:r>
                       <a:endParaRPr lang="en-US" sz="1200" dirty="0">
                         <a:solidFill>
                           <a:schemeClr val="tx1"/>
@@ -17983,14 +17913,6 @@
                     <a:bodyPr/>
                     <a:lstStyle/>
                     <a:p>
-                      <a:r>
-                        <a:rPr lang="en-US" sz="1200" dirty="0" smtClean="0">
-                          <a:solidFill>
-                            <a:schemeClr val="tx1"/>
-                          </a:solidFill>
-                        </a:rPr>
-                        <a:t>XX</a:t>
-                      </a:r>
                       <a:endParaRPr lang="en-US" sz="1200" dirty="0">
                         <a:solidFill>
                           <a:schemeClr val="tx1"/>
@@ -18008,7 +17930,7 @@
                 </a:tc>
                 <a:extLst>
                   <a:ext uri="{0D108BD9-81ED-4DB2-BD59-A6C34878D82A}">
-                    <a16:rowId xmlns:a16="http://schemas.microsoft.com/office/drawing/2014/main" xmlns="" val="1220343380"/>
+                    <a16:rowId xmlns="" xmlns:a16="http://schemas.microsoft.com/office/drawing/2014/main" val="1220343380"/>
                   </a:ext>
                 </a:extLst>
               </a:tr>
@@ -18045,35 +17967,35 @@
                 <a:gridCol w="2454326">
                   <a:extLst>
                     <a:ext uri="{9D8B030D-6E8A-4147-A177-3AD203B41FA5}">
-                      <a16:colId xmlns:a16="http://schemas.microsoft.com/office/drawing/2014/main" xmlns="" val="20000"/>
+                      <a16:colId xmlns="" xmlns:a16="http://schemas.microsoft.com/office/drawing/2014/main" val="20000"/>
                     </a:ext>
                   </a:extLst>
                 </a:gridCol>
                 <a:gridCol w="2306453">
                   <a:extLst>
                     <a:ext uri="{9D8B030D-6E8A-4147-A177-3AD203B41FA5}">
-                      <a16:colId xmlns:a16="http://schemas.microsoft.com/office/drawing/2014/main" xmlns="" val="20002"/>
+                      <a16:colId xmlns="" xmlns:a16="http://schemas.microsoft.com/office/drawing/2014/main" val="20002"/>
                     </a:ext>
                   </a:extLst>
                 </a:gridCol>
                 <a:gridCol w="2254336">
                   <a:extLst>
                     <a:ext uri="{9D8B030D-6E8A-4147-A177-3AD203B41FA5}">
-                      <a16:colId xmlns:a16="http://schemas.microsoft.com/office/drawing/2014/main" xmlns="" val="2575180168"/>
+                      <a16:colId xmlns="" xmlns:a16="http://schemas.microsoft.com/office/drawing/2014/main" val="2575180168"/>
                     </a:ext>
                   </a:extLst>
                 </a:gridCol>
                 <a:gridCol w="2355667">
                   <a:extLst>
                     <a:ext uri="{9D8B030D-6E8A-4147-A177-3AD203B41FA5}">
-                      <a16:colId xmlns:a16="http://schemas.microsoft.com/office/drawing/2014/main" xmlns="" val="20003"/>
+                      <a16:colId xmlns="" xmlns:a16="http://schemas.microsoft.com/office/drawing/2014/main" val="20003"/>
                     </a:ext>
                   </a:extLst>
                 </a:gridCol>
                 <a:gridCol w="1661586">
                   <a:extLst>
                     <a:ext uri="{9D8B030D-6E8A-4147-A177-3AD203B41FA5}">
-                      <a16:colId xmlns:a16="http://schemas.microsoft.com/office/drawing/2014/main" xmlns="" val="1141158204"/>
+                      <a16:colId xmlns="" xmlns:a16="http://schemas.microsoft.com/office/drawing/2014/main" val="1141158204"/>
                     </a:ext>
                   </a:extLst>
                 </a:gridCol>
@@ -18757,7 +18679,7 @@
                 </a:tc>
                 <a:extLst>
                   <a:ext uri="{0D108BD9-81ED-4DB2-BD59-A6C34878D82A}">
-                    <a16:rowId xmlns:a16="http://schemas.microsoft.com/office/drawing/2014/main" xmlns="" val="10000"/>
+                    <a16:rowId xmlns="" xmlns:a16="http://schemas.microsoft.com/office/drawing/2014/main" val="10000"/>
                   </a:ext>
                 </a:extLst>
               </a:tr>
@@ -19145,7 +19067,7 @@
                 </a:tc>
                 <a:extLst>
                   <a:ext uri="{0D108BD9-81ED-4DB2-BD59-A6C34878D82A}">
-                    <a16:rowId xmlns:a16="http://schemas.microsoft.com/office/drawing/2014/main" xmlns="" val="3242880312"/>
+                    <a16:rowId xmlns="" xmlns:a16="http://schemas.microsoft.com/office/drawing/2014/main" val="3242880312"/>
                   </a:ext>
                 </a:extLst>
               </a:tr>
@@ -19488,7 +19410,7 @@
                 <a:gridCol w="11048531">
                   <a:extLst>
                     <a:ext uri="{9D8B030D-6E8A-4147-A177-3AD203B41FA5}">
-                      <a16:colId xmlns:a16="http://schemas.microsoft.com/office/drawing/2014/main" xmlns="" val="1357581311"/>
+                      <a16:colId xmlns="" xmlns:a16="http://schemas.microsoft.com/office/drawing/2014/main" val="1357581311"/>
                     </a:ext>
                   </a:extLst>
                 </a:gridCol>
@@ -19575,7 +19497,7 @@
                 </a:tc>
                 <a:extLst>
                   <a:ext uri="{0D108BD9-81ED-4DB2-BD59-A6C34878D82A}">
-                    <a16:rowId xmlns:a16="http://schemas.microsoft.com/office/drawing/2014/main" xmlns="" val="3203583067"/>
+                    <a16:rowId xmlns="" xmlns:a16="http://schemas.microsoft.com/office/drawing/2014/main" val="3203583067"/>
                   </a:ext>
                 </a:extLst>
               </a:tr>
@@ -19611,21 +19533,21 @@
                 <a:gridCol w="3682842">
                   <a:extLst>
                     <a:ext uri="{9D8B030D-6E8A-4147-A177-3AD203B41FA5}">
-                      <a16:colId xmlns:a16="http://schemas.microsoft.com/office/drawing/2014/main" xmlns="" val="1109671872"/>
+                      <a16:colId xmlns="" xmlns:a16="http://schemas.microsoft.com/office/drawing/2014/main" val="1109671872"/>
                     </a:ext>
                   </a:extLst>
                 </a:gridCol>
                 <a:gridCol w="3682842">
                   <a:extLst>
                     <a:ext uri="{9D8B030D-6E8A-4147-A177-3AD203B41FA5}">
-                      <a16:colId xmlns:a16="http://schemas.microsoft.com/office/drawing/2014/main" xmlns="" val="390604985"/>
+                      <a16:colId xmlns="" xmlns:a16="http://schemas.microsoft.com/office/drawing/2014/main" val="390604985"/>
                     </a:ext>
                   </a:extLst>
                 </a:gridCol>
                 <a:gridCol w="3682842">
                   <a:extLst>
                     <a:ext uri="{9D8B030D-6E8A-4147-A177-3AD203B41FA5}">
-                      <a16:colId xmlns:a16="http://schemas.microsoft.com/office/drawing/2014/main" xmlns="" val="3548678291"/>
+                      <a16:colId xmlns="" xmlns:a16="http://schemas.microsoft.com/office/drawing/2014/main" val="3548678291"/>
                     </a:ext>
                   </a:extLst>
                 </a:gridCol>
@@ -19735,7 +19657,7 @@
                 </a:tc>
                 <a:extLst>
                   <a:ext uri="{0D108BD9-81ED-4DB2-BD59-A6C34878D82A}">
-                    <a16:rowId xmlns:a16="http://schemas.microsoft.com/office/drawing/2014/main" xmlns="" val="2826780448"/>
+                    <a16:rowId xmlns="" xmlns:a16="http://schemas.microsoft.com/office/drawing/2014/main" val="2826780448"/>
                   </a:ext>
                 </a:extLst>
               </a:tr>
@@ -19845,7 +19767,7 @@
                 </a:tc>
                 <a:extLst>
                   <a:ext uri="{0D108BD9-81ED-4DB2-BD59-A6C34878D82A}">
-                    <a16:rowId xmlns:a16="http://schemas.microsoft.com/office/drawing/2014/main" xmlns="" val="2074693909"/>
+                    <a16:rowId xmlns="" xmlns:a16="http://schemas.microsoft.com/office/drawing/2014/main" val="2074693909"/>
                   </a:ext>
                 </a:extLst>
               </a:tr>
@@ -19955,7 +19877,7 @@
                 </a:tc>
                 <a:extLst>
                   <a:ext uri="{0D108BD9-81ED-4DB2-BD59-A6C34878D82A}">
-                    <a16:rowId xmlns:a16="http://schemas.microsoft.com/office/drawing/2014/main" xmlns="" val="3442556936"/>
+                    <a16:rowId xmlns="" xmlns:a16="http://schemas.microsoft.com/office/drawing/2014/main" val="3442556936"/>
                   </a:ext>
                 </a:extLst>
               </a:tr>
@@ -19972,7 +19894,7 @@
           <p:nvPr>
             <p:extLst>
               <p:ext uri="{D42A27DB-BD31-4B8C-83A1-F6EECF244321}">
-                <p14:modId xmlns:p14="http://schemas.microsoft.com/office/powerpoint/2010/main" val="2162377206"/>
+                <p14:modId xmlns:p14="http://schemas.microsoft.com/office/powerpoint/2010/main" val="4226811499"/>
               </p:ext>
             </p:extLst>
           </p:nvPr>
@@ -19991,35 +19913,35 @@
                 <a:gridCol w="2209707">
                   <a:extLst>
                     <a:ext uri="{9D8B030D-6E8A-4147-A177-3AD203B41FA5}">
-                      <a16:colId xmlns:a16="http://schemas.microsoft.com/office/drawing/2014/main" xmlns="" val="4105844897"/>
+                      <a16:colId xmlns="" xmlns:a16="http://schemas.microsoft.com/office/drawing/2014/main" val="4105844897"/>
                     </a:ext>
                   </a:extLst>
                 </a:gridCol>
                 <a:gridCol w="2547324">
                   <a:extLst>
                     <a:ext uri="{9D8B030D-6E8A-4147-A177-3AD203B41FA5}">
-                      <a16:colId xmlns:a16="http://schemas.microsoft.com/office/drawing/2014/main" xmlns="" val="4142034472"/>
+                      <a16:colId xmlns="" xmlns:a16="http://schemas.microsoft.com/office/drawing/2014/main" val="4142034472"/>
                     </a:ext>
                   </a:extLst>
                 </a:gridCol>
                 <a:gridCol w="2601685">
                   <a:extLst>
                     <a:ext uri="{9D8B030D-6E8A-4147-A177-3AD203B41FA5}">
-                      <a16:colId xmlns:a16="http://schemas.microsoft.com/office/drawing/2014/main" xmlns="" val="2076643704"/>
+                      <a16:colId xmlns="" xmlns:a16="http://schemas.microsoft.com/office/drawing/2014/main" val="2076643704"/>
                     </a:ext>
                   </a:extLst>
                 </a:gridCol>
                 <a:gridCol w="1480110">
                   <a:extLst>
                     <a:ext uri="{9D8B030D-6E8A-4147-A177-3AD203B41FA5}">
-                      <a16:colId xmlns:a16="http://schemas.microsoft.com/office/drawing/2014/main" xmlns="" val="3774860856"/>
+                      <a16:colId xmlns="" xmlns:a16="http://schemas.microsoft.com/office/drawing/2014/main" val="3774860856"/>
                     </a:ext>
                   </a:extLst>
                 </a:gridCol>
                 <a:gridCol w="2209707">
                   <a:extLst>
                     <a:ext uri="{9D8B030D-6E8A-4147-A177-3AD203B41FA5}">
-                      <a16:colId xmlns:a16="http://schemas.microsoft.com/office/drawing/2014/main" xmlns="" val="690038618"/>
+                      <a16:colId xmlns="" xmlns:a16="http://schemas.microsoft.com/office/drawing/2014/main" val="690038618"/>
                     </a:ext>
                   </a:extLst>
                 </a:gridCol>
@@ -20307,7 +20229,7 @@
                 </a:tc>
                 <a:extLst>
                   <a:ext uri="{0D108BD9-81ED-4DB2-BD59-A6C34878D82A}">
-                    <a16:rowId xmlns:a16="http://schemas.microsoft.com/office/drawing/2014/main" xmlns="" val="2703049425"/>
+                    <a16:rowId xmlns="" xmlns:a16="http://schemas.microsoft.com/office/drawing/2014/main" val="2703049425"/>
                   </a:ext>
                 </a:extLst>
               </a:tr>
@@ -20407,18 +20329,15 @@
                         <a:tabLst/>
                         <a:defRPr/>
                       </a:pPr>
-                      <a:r>
-                        <a:rPr lang="en-US" altLang="zh-CN" sz="1100" b="0" dirty="0" smtClean="0">
-                          <a:solidFill>
-                            <a:schemeClr val="tx1"/>
-                          </a:solidFill>
-                          <a:latin typeface="+mn-lt"/>
-                          <a:ea typeface="+mn-ea"/>
-                          <a:cs typeface="+mn-ea"/>
-                          <a:sym typeface="+mn-lt"/>
-                        </a:rPr>
-                        <a:t>RMB XX,XXX</a:t>
-                      </a:r>
+                      <a:endParaRPr lang="en-US" altLang="zh-CN" sz="1100" b="0" dirty="0" smtClean="0">
+                        <a:solidFill>
+                          <a:schemeClr val="tx1"/>
+                        </a:solidFill>
+                        <a:latin typeface="+mn-lt"/>
+                        <a:ea typeface="+mn-ea"/>
+                        <a:cs typeface="+mn-ea"/>
+                        <a:sym typeface="+mn-lt"/>
+                      </a:endParaRPr>
                     </a:p>
                   </a:txBody>
                   <a:tcPr marL="102727" marR="102727" marT="51364" marB="51364" anchor="ctr">
@@ -20452,18 +20371,15 @@
                         <a:tabLst/>
                         <a:defRPr/>
                       </a:pPr>
-                      <a:r>
-                        <a:rPr lang="en-US" altLang="zh-CN" sz="1100" b="0" dirty="0" smtClean="0">
-                          <a:solidFill>
-                            <a:schemeClr val="tx1"/>
-                          </a:solidFill>
-                          <a:latin typeface="+mn-lt"/>
-                          <a:ea typeface="+mn-ea"/>
-                          <a:cs typeface="+mn-ea"/>
-                          <a:sym typeface="+mn-lt"/>
-                        </a:rPr>
-                        <a:t>RMB XX,XXX</a:t>
-                      </a:r>
+                      <a:endParaRPr lang="en-US" altLang="zh-CN" sz="1100" b="0" dirty="0" smtClean="0">
+                        <a:solidFill>
+                          <a:schemeClr val="tx1"/>
+                        </a:solidFill>
+                        <a:latin typeface="+mn-lt"/>
+                        <a:ea typeface="+mn-ea"/>
+                        <a:cs typeface="+mn-ea"/>
+                        <a:sym typeface="+mn-lt"/>
+                      </a:endParaRPr>
                     </a:p>
                   </a:txBody>
                   <a:tcPr marL="102727" marR="102727" marT="51364" marB="51364" anchor="ctr">
@@ -20478,30 +20394,6 @@
                     <a:lstStyle/>
                     <a:p>
                       <a:pPr algn="ctr"/>
-                      <a:r>
-                        <a:rPr lang="zh-CN" altLang="en-US" sz="1100" dirty="0" smtClean="0">
-                          <a:solidFill>
-                            <a:schemeClr val="tx1"/>
-                          </a:solidFill>
-                        </a:rPr>
-                        <a:t>是</a:t>
-                      </a:r>
-                      <a:r>
-                        <a:rPr lang="en-US" altLang="zh-CN" sz="1100" dirty="0" smtClean="0">
-                          <a:solidFill>
-                            <a:schemeClr val="tx1"/>
-                          </a:solidFill>
-                        </a:rPr>
-                        <a:t>/</a:t>
-                      </a:r>
-                      <a:r>
-                        <a:rPr lang="zh-CN" altLang="en-US" sz="1100" dirty="0" smtClean="0">
-                          <a:solidFill>
-                            <a:schemeClr val="tx1"/>
-                          </a:solidFill>
-                        </a:rPr>
-                        <a:t>否</a:t>
-                      </a:r>
                       <a:endParaRPr lang="en-US" sz="1100" dirty="0">
                         <a:solidFill>
                           <a:schemeClr val="tx1"/>
@@ -20527,20 +20419,6 @@
                         <a:buFontTx/>
                         <a:buNone/>
                       </a:pPr>
-                      <a:r>
-                        <a:rPr lang="zh-CN" altLang="en-US" sz="1100" b="0" dirty="0" smtClean="0">
-                          <a:solidFill>
-                            <a:schemeClr val="accent1">
-                              <a:lumMod val="75000"/>
-                            </a:schemeClr>
-                          </a:solidFill>
-                          <a:latin typeface="+mn-lt"/>
-                          <a:ea typeface="+mn-ea"/>
-                          <a:cs typeface="+mn-ea"/>
-                          <a:sym typeface="+mn-lt"/>
-                        </a:rPr>
-                        <a:t>本地市场活动</a:t>
-                      </a:r>
                       <a:endParaRPr lang="en-US" altLang="zh-CN" sz="1100" b="0" dirty="0" smtClean="0">
                         <a:solidFill>
                           <a:schemeClr val="accent1">
@@ -20577,7 +20455,7 @@
                 </a:tc>
                 <a:extLst>
                   <a:ext uri="{0D108BD9-81ED-4DB2-BD59-A6C34878D82A}">
-                    <a16:rowId xmlns:a16="http://schemas.microsoft.com/office/drawing/2014/main" xmlns="" val="741824064"/>
+                    <a16:rowId xmlns="" xmlns:a16="http://schemas.microsoft.com/office/drawing/2014/main" val="741824064"/>
                   </a:ext>
                 </a:extLst>
               </a:tr>
@@ -20665,18 +20543,15 @@
                         <a:tabLst/>
                         <a:defRPr/>
                       </a:pPr>
-                      <a:r>
-                        <a:rPr lang="en-US" altLang="zh-CN" sz="1100" b="0" dirty="0" smtClean="0">
-                          <a:solidFill>
-                            <a:schemeClr val="tx1"/>
-                          </a:solidFill>
-                          <a:latin typeface="+mn-lt"/>
-                          <a:ea typeface="+mn-ea"/>
-                          <a:cs typeface="+mn-ea"/>
-                          <a:sym typeface="+mn-lt"/>
-                        </a:rPr>
-                        <a:t>RMB XX,XXX</a:t>
-                      </a:r>
+                      <a:endParaRPr lang="en-US" altLang="zh-CN" sz="1100" b="0" dirty="0" smtClean="0">
+                        <a:solidFill>
+                          <a:schemeClr val="tx1"/>
+                        </a:solidFill>
+                        <a:latin typeface="+mn-lt"/>
+                        <a:ea typeface="+mn-ea"/>
+                        <a:cs typeface="+mn-ea"/>
+                        <a:sym typeface="+mn-lt"/>
+                      </a:endParaRPr>
                     </a:p>
                   </a:txBody>
                   <a:tcPr marL="102727" marR="102727" marT="51364" marB="51364" anchor="ctr">
@@ -20710,18 +20585,15 @@
                         <a:tabLst/>
                         <a:defRPr/>
                       </a:pPr>
-                      <a:r>
-                        <a:rPr lang="en-US" altLang="zh-CN" sz="1100" b="0" dirty="0" smtClean="0">
-                          <a:solidFill>
-                            <a:schemeClr val="tx1"/>
-                          </a:solidFill>
-                          <a:latin typeface="+mn-lt"/>
-                          <a:ea typeface="+mn-ea"/>
-                          <a:cs typeface="+mn-ea"/>
-                          <a:sym typeface="+mn-lt"/>
-                        </a:rPr>
-                        <a:t>RMB XX,XXX</a:t>
-                      </a:r>
+                      <a:endParaRPr lang="en-US" altLang="zh-CN" sz="1100" b="0" dirty="0" smtClean="0">
+                        <a:solidFill>
+                          <a:schemeClr val="tx1"/>
+                        </a:solidFill>
+                        <a:latin typeface="+mn-lt"/>
+                        <a:ea typeface="+mn-ea"/>
+                        <a:cs typeface="+mn-ea"/>
+                        <a:sym typeface="+mn-lt"/>
+                      </a:endParaRPr>
                     </a:p>
                   </a:txBody>
                   <a:tcPr marL="102727" marR="102727" marT="51364" marB="51364" anchor="ctr">
@@ -20752,30 +20624,6 @@
                         <a:tabLst/>
                         <a:defRPr/>
                       </a:pPr>
-                      <a:r>
-                        <a:rPr lang="zh-CN" altLang="en-US" sz="1100" dirty="0" smtClean="0">
-                          <a:solidFill>
-                            <a:schemeClr val="tx1"/>
-                          </a:solidFill>
-                        </a:rPr>
-                        <a:t>是</a:t>
-                      </a:r>
-                      <a:r>
-                        <a:rPr lang="en-US" altLang="zh-CN" sz="1100" dirty="0" smtClean="0">
-                          <a:solidFill>
-                            <a:schemeClr val="tx1"/>
-                          </a:solidFill>
-                        </a:rPr>
-                        <a:t>/</a:t>
-                      </a:r>
-                      <a:r>
-                        <a:rPr lang="zh-CN" altLang="en-US" sz="1100" dirty="0" smtClean="0">
-                          <a:solidFill>
-                            <a:schemeClr val="tx1"/>
-                          </a:solidFill>
-                        </a:rPr>
-                        <a:t>否</a:t>
-                      </a:r>
                       <a:endParaRPr lang="en-US" sz="1100" dirty="0" smtClean="0">
                         <a:solidFill>
                           <a:schemeClr val="tx1"/>
@@ -20814,20 +20662,6 @@
                         <a:tabLst/>
                         <a:defRPr/>
                       </a:pPr>
-                      <a:r>
-                        <a:rPr lang="zh-CN" altLang="en-US" sz="1100" b="0" dirty="0" smtClean="0">
-                          <a:solidFill>
-                            <a:schemeClr val="accent1">
-                              <a:lumMod val="75000"/>
-                            </a:schemeClr>
-                          </a:solidFill>
-                          <a:latin typeface="+mn-lt"/>
-                          <a:ea typeface="+mn-ea"/>
-                          <a:cs typeface="+mn-ea"/>
-                          <a:sym typeface="+mn-lt"/>
-                        </a:rPr>
-                        <a:t>本地市场活动</a:t>
-                      </a:r>
                       <a:endParaRPr lang="en-US" altLang="zh-CN" sz="1100" b="0" dirty="0" smtClean="0">
                         <a:solidFill>
                           <a:schemeClr val="accent1">
@@ -20864,7 +20698,7 @@
                 </a:tc>
                 <a:extLst>
                   <a:ext uri="{0D108BD9-81ED-4DB2-BD59-A6C34878D82A}">
-                    <a16:rowId xmlns:a16="http://schemas.microsoft.com/office/drawing/2014/main" xmlns="" val="3076205638"/>
+                    <a16:rowId xmlns="" xmlns:a16="http://schemas.microsoft.com/office/drawing/2014/main" val="3076205638"/>
                   </a:ext>
                 </a:extLst>
               </a:tr>
@@ -20964,18 +20798,15 @@
                         <a:tabLst/>
                         <a:defRPr/>
                       </a:pPr>
-                      <a:r>
-                        <a:rPr lang="en-US" altLang="zh-CN" sz="1100" b="0" dirty="0" smtClean="0">
-                          <a:solidFill>
-                            <a:schemeClr val="tx1"/>
-                          </a:solidFill>
-                          <a:latin typeface="+mn-lt"/>
-                          <a:ea typeface="+mn-ea"/>
-                          <a:cs typeface="+mn-ea"/>
-                          <a:sym typeface="+mn-lt"/>
-                        </a:rPr>
-                        <a:t>RMB XX,XXX</a:t>
-                      </a:r>
+                      <a:endParaRPr lang="en-US" altLang="zh-CN" sz="1100" b="0" dirty="0" smtClean="0">
+                        <a:solidFill>
+                          <a:schemeClr val="tx1"/>
+                        </a:solidFill>
+                        <a:latin typeface="+mn-lt"/>
+                        <a:ea typeface="+mn-ea"/>
+                        <a:cs typeface="+mn-ea"/>
+                        <a:sym typeface="+mn-lt"/>
+                      </a:endParaRPr>
                     </a:p>
                   </a:txBody>
                   <a:tcPr marL="102727" marR="102727" marT="51364" marB="51364" anchor="ctr">
@@ -21009,18 +20840,15 @@
                         <a:tabLst/>
                         <a:defRPr/>
                       </a:pPr>
-                      <a:r>
-                        <a:rPr lang="en-US" altLang="zh-CN" sz="1100" b="0" dirty="0" smtClean="0">
-                          <a:solidFill>
-                            <a:schemeClr val="tx1"/>
-                          </a:solidFill>
-                          <a:latin typeface="+mn-lt"/>
-                          <a:ea typeface="+mn-ea"/>
-                          <a:cs typeface="+mn-ea"/>
-                          <a:sym typeface="+mn-lt"/>
-                        </a:rPr>
-                        <a:t>RMB XX,XXX</a:t>
-                      </a:r>
+                      <a:endParaRPr lang="en-US" altLang="zh-CN" sz="1100" b="0" dirty="0" smtClean="0">
+                        <a:solidFill>
+                          <a:schemeClr val="tx1"/>
+                        </a:solidFill>
+                        <a:latin typeface="+mn-lt"/>
+                        <a:ea typeface="+mn-ea"/>
+                        <a:cs typeface="+mn-ea"/>
+                        <a:sym typeface="+mn-lt"/>
+                      </a:endParaRPr>
                     </a:p>
                   </a:txBody>
                   <a:tcPr marL="102727" marR="102727" marT="51364" marB="51364" anchor="ctr">
@@ -21035,30 +20863,6 @@
                     <a:lstStyle/>
                     <a:p>
                       <a:pPr algn="ctr"/>
-                      <a:r>
-                        <a:rPr lang="zh-CN" altLang="en-US" sz="1100" dirty="0" smtClean="0">
-                          <a:solidFill>
-                            <a:schemeClr val="tx1"/>
-                          </a:solidFill>
-                        </a:rPr>
-                        <a:t>是</a:t>
-                      </a:r>
-                      <a:r>
-                        <a:rPr lang="en-US" altLang="zh-CN" sz="1100" dirty="0" smtClean="0">
-                          <a:solidFill>
-                            <a:schemeClr val="tx1"/>
-                          </a:solidFill>
-                        </a:rPr>
-                        <a:t>/</a:t>
-                      </a:r>
-                      <a:r>
-                        <a:rPr lang="zh-CN" altLang="en-US" sz="1100" dirty="0" smtClean="0">
-                          <a:solidFill>
-                            <a:schemeClr val="tx1"/>
-                          </a:solidFill>
-                        </a:rPr>
-                        <a:t>否</a:t>
-                      </a:r>
                       <a:endParaRPr lang="en-US" sz="1100" dirty="0">
                         <a:solidFill>
                           <a:schemeClr val="tx1"/>
@@ -21097,26 +20901,6 @@
                         <a:tabLst/>
                         <a:defRPr/>
                       </a:pPr>
-                      <a:r>
-                        <a:rPr kumimoji="0" lang="zh-CN" altLang="en-US" sz="1100" b="0" i="0" u="none" strike="noStrike" kern="1200" cap="none" spc="0" normalizeH="0" baseline="0" noProof="0" dirty="0" smtClean="0">
-                          <a:ln>
-                            <a:noFill/>
-                          </a:ln>
-                          <a:solidFill>
-                            <a:schemeClr val="accent1">
-                              <a:lumMod val="75000"/>
-                            </a:schemeClr>
-                          </a:solidFill>
-                          <a:effectLst/>
-                          <a:uLnTx/>
-                          <a:uFillTx/>
-                          <a:latin typeface="+mn-lt"/>
-                          <a:ea typeface="+mn-ea"/>
-                          <a:cs typeface="+mn-ea"/>
-                          <a:sym typeface="+mn-lt"/>
-                        </a:rPr>
-                        <a:t>特殊定制</a:t>
-                      </a:r>
                       <a:endParaRPr kumimoji="0" lang="en-US" altLang="zh-CN" sz="1100" b="0" i="0" u="none" strike="noStrike" kern="1200" cap="none" spc="0" normalizeH="0" baseline="0" noProof="0" dirty="0" smtClean="0">
                         <a:ln>
                           <a:noFill/>
@@ -21159,7 +20943,7 @@
                 </a:tc>
                 <a:extLst>
                   <a:ext uri="{0D108BD9-81ED-4DB2-BD59-A6C34878D82A}">
-                    <a16:rowId xmlns:a16="http://schemas.microsoft.com/office/drawing/2014/main" xmlns="" val="2309071906"/>
+                    <a16:rowId xmlns="" xmlns:a16="http://schemas.microsoft.com/office/drawing/2014/main" val="2309071906"/>
                   </a:ext>
                 </a:extLst>
               </a:tr>
@@ -21259,18 +21043,15 @@
                         <a:tabLst/>
                         <a:defRPr/>
                       </a:pPr>
-                      <a:r>
-                        <a:rPr lang="en-US" altLang="zh-CN" sz="1100" b="0" dirty="0" smtClean="0">
-                          <a:solidFill>
-                            <a:schemeClr val="tx1"/>
-                          </a:solidFill>
-                          <a:latin typeface="+mn-lt"/>
-                          <a:ea typeface="+mn-ea"/>
-                          <a:cs typeface="+mn-ea"/>
-                          <a:sym typeface="+mn-lt"/>
-                        </a:rPr>
-                        <a:t>RMB XX,XXX</a:t>
-                      </a:r>
+                      <a:endParaRPr lang="en-US" altLang="zh-CN" sz="1100" b="0" dirty="0" smtClean="0">
+                        <a:solidFill>
+                          <a:schemeClr val="tx1"/>
+                        </a:solidFill>
+                        <a:latin typeface="+mn-lt"/>
+                        <a:ea typeface="+mn-ea"/>
+                        <a:cs typeface="+mn-ea"/>
+                        <a:sym typeface="+mn-lt"/>
+                      </a:endParaRPr>
                     </a:p>
                   </a:txBody>
                   <a:tcPr marL="102727" marR="102727" marT="51364" marB="51364" anchor="ctr">
@@ -21304,18 +21085,15 @@
                         <a:tabLst/>
                         <a:defRPr/>
                       </a:pPr>
-                      <a:r>
-                        <a:rPr lang="en-US" altLang="zh-CN" sz="1100" b="0" dirty="0" smtClean="0">
-                          <a:solidFill>
-                            <a:schemeClr val="tx1"/>
-                          </a:solidFill>
-                          <a:latin typeface="+mn-lt"/>
-                          <a:ea typeface="+mn-ea"/>
-                          <a:cs typeface="+mn-ea"/>
-                          <a:sym typeface="+mn-lt"/>
-                        </a:rPr>
-                        <a:t>RMB XX,XXX</a:t>
-                      </a:r>
+                      <a:endParaRPr lang="en-US" altLang="zh-CN" sz="1100" b="0" dirty="0" smtClean="0">
+                        <a:solidFill>
+                          <a:schemeClr val="tx1"/>
+                        </a:solidFill>
+                        <a:latin typeface="+mn-lt"/>
+                        <a:ea typeface="+mn-ea"/>
+                        <a:cs typeface="+mn-ea"/>
+                        <a:sym typeface="+mn-lt"/>
+                      </a:endParaRPr>
                     </a:p>
                   </a:txBody>
                   <a:tcPr marL="102727" marR="102727" marT="51364" marB="51364" anchor="ctr">
@@ -21346,30 +21124,6 @@
                         <a:tabLst/>
                         <a:defRPr/>
                       </a:pPr>
-                      <a:r>
-                        <a:rPr lang="zh-CN" altLang="en-US" sz="1100" dirty="0" smtClean="0">
-                          <a:solidFill>
-                            <a:schemeClr val="tx1"/>
-                          </a:solidFill>
-                        </a:rPr>
-                        <a:t>是</a:t>
-                      </a:r>
-                      <a:r>
-                        <a:rPr lang="en-US" altLang="zh-CN" sz="1100" dirty="0" smtClean="0">
-                          <a:solidFill>
-                            <a:schemeClr val="tx1"/>
-                          </a:solidFill>
-                        </a:rPr>
-                        <a:t>/</a:t>
-                      </a:r>
-                      <a:r>
-                        <a:rPr lang="zh-CN" altLang="en-US" sz="1100" dirty="0" smtClean="0">
-                          <a:solidFill>
-                            <a:schemeClr val="tx1"/>
-                          </a:solidFill>
-                        </a:rPr>
-                        <a:t>否</a:t>
-                      </a:r>
                       <a:endParaRPr lang="en-US" sz="1100" dirty="0" smtClean="0">
                         <a:solidFill>
                           <a:schemeClr val="tx1"/>
@@ -21430,7 +21184,7 @@
                 </a:tc>
                 <a:extLst>
                   <a:ext uri="{0D108BD9-81ED-4DB2-BD59-A6C34878D82A}">
-                    <a16:rowId xmlns:a16="http://schemas.microsoft.com/office/drawing/2014/main" xmlns="" val="2470890304"/>
+                    <a16:rowId xmlns="" xmlns:a16="http://schemas.microsoft.com/office/drawing/2014/main" val="2470890304"/>
                   </a:ext>
                 </a:extLst>
               </a:tr>
@@ -21530,18 +21284,15 @@
                         <a:tabLst/>
                         <a:defRPr/>
                       </a:pPr>
-                      <a:r>
-                        <a:rPr lang="en-US" altLang="zh-CN" sz="1100" b="0" dirty="0" smtClean="0">
-                          <a:solidFill>
-                            <a:schemeClr val="tx1"/>
-                          </a:solidFill>
-                          <a:latin typeface="+mn-lt"/>
-                          <a:ea typeface="+mn-ea"/>
-                          <a:cs typeface="+mn-ea"/>
-                          <a:sym typeface="+mn-lt"/>
-                        </a:rPr>
-                        <a:t>RMB XX,XXX</a:t>
-                      </a:r>
+                      <a:endParaRPr lang="en-US" altLang="zh-CN" sz="1100" b="0" dirty="0" smtClean="0">
+                        <a:solidFill>
+                          <a:schemeClr val="tx1"/>
+                        </a:solidFill>
+                        <a:latin typeface="+mn-lt"/>
+                        <a:ea typeface="+mn-ea"/>
+                        <a:cs typeface="+mn-ea"/>
+                        <a:sym typeface="+mn-lt"/>
+                      </a:endParaRPr>
                     </a:p>
                   </a:txBody>
                   <a:tcPr marL="102727" marR="102727" marT="51364" marB="51364" anchor="ctr">
@@ -21575,18 +21326,15 @@
                         <a:tabLst/>
                         <a:defRPr/>
                       </a:pPr>
-                      <a:r>
-                        <a:rPr lang="en-US" altLang="zh-CN" sz="1100" b="0" dirty="0" smtClean="0">
-                          <a:solidFill>
-                            <a:schemeClr val="tx1"/>
-                          </a:solidFill>
-                          <a:latin typeface="+mn-lt"/>
-                          <a:ea typeface="+mn-ea"/>
-                          <a:cs typeface="+mn-ea"/>
-                          <a:sym typeface="+mn-lt"/>
-                        </a:rPr>
-                        <a:t>RMB XX,XXX</a:t>
-                      </a:r>
+                      <a:endParaRPr lang="en-US" altLang="zh-CN" sz="1100" b="0" dirty="0" smtClean="0">
+                        <a:solidFill>
+                          <a:schemeClr val="tx1"/>
+                        </a:solidFill>
+                        <a:latin typeface="+mn-lt"/>
+                        <a:ea typeface="+mn-ea"/>
+                        <a:cs typeface="+mn-ea"/>
+                        <a:sym typeface="+mn-lt"/>
+                      </a:endParaRPr>
                     </a:p>
                   </a:txBody>
                   <a:tcPr marL="102727" marR="102727" marT="51364" marB="51364" anchor="ctr">
@@ -21617,30 +21365,6 @@
                         <a:tabLst/>
                         <a:defRPr/>
                       </a:pPr>
-                      <a:r>
-                        <a:rPr lang="zh-CN" altLang="en-US" sz="1100" dirty="0" smtClean="0">
-                          <a:solidFill>
-                            <a:schemeClr val="tx1"/>
-                          </a:solidFill>
-                        </a:rPr>
-                        <a:t>是</a:t>
-                      </a:r>
-                      <a:r>
-                        <a:rPr lang="en-US" altLang="zh-CN" sz="1100" dirty="0" smtClean="0">
-                          <a:solidFill>
-                            <a:schemeClr val="tx1"/>
-                          </a:solidFill>
-                        </a:rPr>
-                        <a:t>/</a:t>
-                      </a:r>
-                      <a:r>
-                        <a:rPr lang="zh-CN" altLang="en-US" sz="1100" dirty="0" smtClean="0">
-                          <a:solidFill>
-                            <a:schemeClr val="tx1"/>
-                          </a:solidFill>
-                        </a:rPr>
-                        <a:t>否</a:t>
-                      </a:r>
                       <a:endParaRPr lang="en-US" sz="1100" dirty="0" smtClean="0">
                         <a:solidFill>
                           <a:schemeClr val="tx1"/>
@@ -21701,7 +21425,7 @@
                 </a:tc>
                 <a:extLst>
                   <a:ext uri="{0D108BD9-81ED-4DB2-BD59-A6C34878D82A}">
-                    <a16:rowId xmlns:a16="http://schemas.microsoft.com/office/drawing/2014/main" xmlns="" val="2698866000"/>
+                    <a16:rowId xmlns="" xmlns:a16="http://schemas.microsoft.com/office/drawing/2014/main" val="2698866000"/>
                   </a:ext>
                 </a:extLst>
               </a:tr>
@@ -21737,7 +21461,7 @@
                 <a:gridCol w="11048534">
                   <a:extLst>
                     <a:ext uri="{9D8B030D-6E8A-4147-A177-3AD203B41FA5}">
-                      <a16:colId xmlns:a16="http://schemas.microsoft.com/office/drawing/2014/main" xmlns="" val="1357581311"/>
+                      <a16:colId xmlns="" xmlns:a16="http://schemas.microsoft.com/office/drawing/2014/main" val="1357581311"/>
                     </a:ext>
                   </a:extLst>
                 </a:gridCol>
@@ -21824,7 +21548,7 @@
                 </a:tc>
                 <a:extLst>
                   <a:ext uri="{0D108BD9-81ED-4DB2-BD59-A6C34878D82A}">
-                    <a16:rowId xmlns:a16="http://schemas.microsoft.com/office/drawing/2014/main" xmlns="" val="3203583067"/>
+                    <a16:rowId xmlns="" xmlns:a16="http://schemas.microsoft.com/office/drawing/2014/main" val="3203583067"/>
                   </a:ext>
                 </a:extLst>
               </a:tr>
@@ -21997,28 +21721,28 @@
                 <a:gridCol w="628595">
                   <a:extLst>
                     <a:ext uri="{9D8B030D-6E8A-4147-A177-3AD203B41FA5}">
-                      <a16:colId xmlns:a16="http://schemas.microsoft.com/office/drawing/2014/main" xmlns="" val="207362988"/>
+                      <a16:colId xmlns="" xmlns:a16="http://schemas.microsoft.com/office/drawing/2014/main" val="207362988"/>
                     </a:ext>
                   </a:extLst>
                 </a:gridCol>
                 <a:gridCol w="2213264">
                   <a:extLst>
                     <a:ext uri="{9D8B030D-6E8A-4147-A177-3AD203B41FA5}">
-                      <a16:colId xmlns:a16="http://schemas.microsoft.com/office/drawing/2014/main" xmlns="" val="20000"/>
+                      <a16:colId xmlns="" xmlns:a16="http://schemas.microsoft.com/office/drawing/2014/main" val="20000"/>
                     </a:ext>
                   </a:extLst>
                 </a:gridCol>
                 <a:gridCol w="2556164">
                   <a:extLst>
                     <a:ext uri="{9D8B030D-6E8A-4147-A177-3AD203B41FA5}">
-                      <a16:colId xmlns:a16="http://schemas.microsoft.com/office/drawing/2014/main" xmlns="" val="20001"/>
+                      <a16:colId xmlns="" xmlns:a16="http://schemas.microsoft.com/office/drawing/2014/main" val="20001"/>
                     </a:ext>
                   </a:extLst>
                 </a:gridCol>
                 <a:gridCol w="5634579">
                   <a:extLst>
                     <a:ext uri="{9D8B030D-6E8A-4147-A177-3AD203B41FA5}">
-                      <a16:colId xmlns:a16="http://schemas.microsoft.com/office/drawing/2014/main" xmlns="" val="610373499"/>
+                      <a16:colId xmlns="" xmlns:a16="http://schemas.microsoft.com/office/drawing/2014/main" val="610373499"/>
                     </a:ext>
                   </a:extLst>
                 </a:gridCol>
@@ -22358,7 +22082,7 @@
                 </a:tc>
                 <a:extLst>
                   <a:ext uri="{0D108BD9-81ED-4DB2-BD59-A6C34878D82A}">
-                    <a16:rowId xmlns:a16="http://schemas.microsoft.com/office/drawing/2014/main" xmlns="" val="10000"/>
+                    <a16:rowId xmlns="" xmlns:a16="http://schemas.microsoft.com/office/drawing/2014/main" val="10000"/>
                   </a:ext>
                 </a:extLst>
               </a:tr>
@@ -22688,7 +22412,7 @@
                 </a:tc>
                 <a:extLst>
                   <a:ext uri="{0D108BD9-81ED-4DB2-BD59-A6C34878D82A}">
-                    <a16:rowId xmlns:a16="http://schemas.microsoft.com/office/drawing/2014/main" xmlns="" val="10001"/>
+                    <a16:rowId xmlns="" xmlns:a16="http://schemas.microsoft.com/office/drawing/2014/main" val="10001"/>
                   </a:ext>
                 </a:extLst>
               </a:tr>
@@ -23046,7 +22770,7 @@
                 </a:tc>
                 <a:extLst>
                   <a:ext uri="{0D108BD9-81ED-4DB2-BD59-A6C34878D82A}">
-                    <a16:rowId xmlns:a16="http://schemas.microsoft.com/office/drawing/2014/main" xmlns="" val="10002"/>
+                    <a16:rowId xmlns="" xmlns:a16="http://schemas.microsoft.com/office/drawing/2014/main" val="10002"/>
                   </a:ext>
                 </a:extLst>
               </a:tr>
@@ -23404,7 +23128,7 @@
                 </a:tc>
                 <a:extLst>
                   <a:ext uri="{0D108BD9-81ED-4DB2-BD59-A6C34878D82A}">
-                    <a16:rowId xmlns:a16="http://schemas.microsoft.com/office/drawing/2014/main" xmlns="" val="10003"/>
+                    <a16:rowId xmlns="" xmlns:a16="http://schemas.microsoft.com/office/drawing/2014/main" val="10003"/>
                   </a:ext>
                 </a:extLst>
               </a:tr>
@@ -23762,7 +23486,7 @@
                 </a:tc>
                 <a:extLst>
                   <a:ext uri="{0D108BD9-81ED-4DB2-BD59-A6C34878D82A}">
-                    <a16:rowId xmlns:a16="http://schemas.microsoft.com/office/drawing/2014/main" xmlns="" val="10004"/>
+                    <a16:rowId xmlns="" xmlns:a16="http://schemas.microsoft.com/office/drawing/2014/main" val="10004"/>
                   </a:ext>
                 </a:extLst>
               </a:tr>
@@ -24120,7 +23844,7 @@
                 </a:tc>
                 <a:extLst>
                   <a:ext uri="{0D108BD9-81ED-4DB2-BD59-A6C34878D82A}">
-                    <a16:rowId xmlns:a16="http://schemas.microsoft.com/office/drawing/2014/main" xmlns="" val="2987373226"/>
+                    <a16:rowId xmlns="" xmlns:a16="http://schemas.microsoft.com/office/drawing/2014/main" val="2987373226"/>
                   </a:ext>
                 </a:extLst>
               </a:tr>
@@ -24478,7 +24202,7 @@
                 </a:tc>
                 <a:extLst>
                   <a:ext uri="{0D108BD9-81ED-4DB2-BD59-A6C34878D82A}">
-                    <a16:rowId xmlns:a16="http://schemas.microsoft.com/office/drawing/2014/main" xmlns="" val="2639051246"/>
+                    <a16:rowId xmlns="" xmlns:a16="http://schemas.microsoft.com/office/drawing/2014/main" val="2639051246"/>
                   </a:ext>
                 </a:extLst>
               </a:tr>
@@ -24836,7 +24560,7 @@
                 </a:tc>
                 <a:extLst>
                   <a:ext uri="{0D108BD9-81ED-4DB2-BD59-A6C34878D82A}">
-                    <a16:rowId xmlns:a16="http://schemas.microsoft.com/office/drawing/2014/main" xmlns="" val="1177553746"/>
+                    <a16:rowId xmlns="" xmlns:a16="http://schemas.microsoft.com/office/drawing/2014/main" val="1177553746"/>
                   </a:ext>
                 </a:extLst>
               </a:tr>
@@ -25186,7 +24910,7 @@
                 </a:tc>
                 <a:extLst>
                   <a:ext uri="{0D108BD9-81ED-4DB2-BD59-A6C34878D82A}">
-                    <a16:rowId xmlns:a16="http://schemas.microsoft.com/office/drawing/2014/main" xmlns="" val="4230401121"/>
+                    <a16:rowId xmlns="" xmlns:a16="http://schemas.microsoft.com/office/drawing/2014/main" val="4230401121"/>
                   </a:ext>
                 </a:extLst>
               </a:tr>
@@ -25243,56 +24967,6 @@
                 <a:srgbClr val="232323"/>
               </a:solidFill>
               <a:latin typeface="+mn-lt"/>
-              <a:cs typeface="+mn-ea"/>
-              <a:sym typeface="+mn-lt"/>
-            </a:endParaRPr>
-          </a:p>
-        </p:txBody>
-      </p:sp>
-      <p:sp>
-        <p:nvSpPr>
-          <p:cNvPr id="3" name="TextBox 2"/>
-          <p:cNvSpPr txBox="1"/>
-          <p:nvPr/>
-        </p:nvSpPr>
-        <p:spPr>
-          <a:xfrm>
-            <a:off x="2930507" y="3492957"/>
-            <a:ext cx="8042586" cy="461665"/>
-          </a:xfrm>
-          <a:prstGeom prst="rect">
-            <a:avLst/>
-          </a:prstGeom>
-          <a:noFill/>
-        </p:spPr>
-        <p:txBody>
-          <a:bodyPr wrap="none" rtlCol="0">
-            <a:spAutoFit/>
-          </a:bodyPr>
-          <a:lstStyle/>
-          <a:p>
-            <a:r>
-              <a:rPr lang="zh-CN" altLang="en-US" dirty="0" smtClean="0">
-                <a:cs typeface="+mn-ea"/>
-                <a:sym typeface="+mn-lt"/>
-              </a:rPr>
-              <a:t>请根据</a:t>
-            </a:r>
-            <a:r>
-              <a:rPr lang="zh-CN" altLang="en-US" sz="2400" b="1" u="sng" dirty="0" smtClean="0">
-                <a:cs typeface="+mn-ea"/>
-                <a:sym typeface="+mn-lt"/>
-              </a:rPr>
-              <a:t>实际执行情况</a:t>
-            </a:r>
-            <a:r>
-              <a:rPr lang="zh-CN" altLang="en-US" dirty="0" smtClean="0">
-                <a:cs typeface="+mn-ea"/>
-                <a:sym typeface="+mn-lt"/>
-              </a:rPr>
-              <a:t>提供本月每场交车活动的清单，需包含简要活动流程</a:t>
-            </a:r>
-            <a:endParaRPr lang="en-US" dirty="0">
               <a:cs typeface="+mn-ea"/>
               <a:sym typeface="+mn-lt"/>
             </a:endParaRPr>
@@ -26773,7 +26447,7 @@
           <a:graphicData uri="http://schemas.openxmlformats.org/presentationml/2006/ole">
             <mc:AlternateContent xmlns:mc="http://schemas.openxmlformats.org/markup-compatibility/2006">
               <mc:Choice xmlns:v="urn:schemas-microsoft-com:vml" Requires="v">
-                <p:oleObj spid="_x0000_s44065" name="think-cell Slide" r:id="rId5" imgW="416" imgH="416" progId="TCLayout.ActiveDocument.1">
+                <p:oleObj spid="_x0000_s44071" name="think-cell Slide" r:id="rId5" imgW="416" imgH="416" progId="TCLayout.ActiveDocument.1">
                   <p:embed/>
                 </p:oleObj>
               </mc:Choice>
@@ -28426,7 +28100,7 @@
   <a:extraClrSchemeLst/>
   <a:extLst>
     <a:ext uri="{05A4C25C-085E-4340-85A3-A5531E510DB2}">
-      <thm15:themeFamily xmlns:thm15="http://schemas.microsoft.com/office/thememl/2012/main" xmlns="" name="Office Theme" id="{62F939B6-93AF-4DB8-9C6B-D6C7DFDC589F}" vid="{4A3C46E8-61CC-4603-A589-7422A47A8E4A}"/>
+      <thm15:themeFamily xmlns="" xmlns:thm15="http://schemas.microsoft.com/office/thememl/2012/main" name="Office Theme" id="{62F939B6-93AF-4DB8-9C6B-D6C7DFDC589F}" vid="{4A3C46E8-61CC-4603-A589-7422A47A8E4A}"/>
     </a:ext>
   </a:extLst>
 </a:theme>
@@ -28660,7 +28334,7 @@
   <a:extraClrSchemeLst/>
   <a:extLst>
     <a:ext uri="{05A4C25C-085E-4340-85A3-A5531E510DB2}">
-      <thm15:themeFamily xmlns:thm15="http://schemas.microsoft.com/office/thememl/2012/main" xmlns="" name="Bentley template 2021.potx" id="{C9F80F40-B2B1-4DB6-919B-71F3AAFFE5B0}" vid="{F9D38CA0-4F02-4029-A6BC-9642EF690A5C}"/>
+      <thm15:themeFamily xmlns="" xmlns:thm15="http://schemas.microsoft.com/office/thememl/2012/main" name="Bentley template 2021.potx" id="{C9F80F40-B2B1-4DB6-919B-71F3AAFFE5B0}" vid="{F9D38CA0-4F02-4029-A6BC-9642EF690A5C}"/>
     </a:ext>
   </a:extLst>
 </a:theme>
@@ -28894,7 +28568,7 @@
   <a:extraClrSchemeLst/>
   <a:extLst>
     <a:ext uri="{05A4C25C-085E-4340-85A3-A5531E510DB2}">
-      <thm15:themeFamily xmlns:thm15="http://schemas.microsoft.com/office/thememl/2012/main" xmlns="" name="Bentley template 2021.potx" id="{C9F80F40-B2B1-4DB6-919B-71F3AAFFE5B0}" vid="{F9D38CA0-4F02-4029-A6BC-9642EF690A5C}"/>
+      <thm15:themeFamily xmlns="" xmlns:thm15="http://schemas.microsoft.com/office/thememl/2012/main" name="Bentley template 2021.potx" id="{C9F80F40-B2B1-4DB6-919B-71F3AAFFE5B0}" vid="{F9D38CA0-4F02-4029-A6BC-9642EF690A5C}"/>
     </a:ext>
   </a:extLst>
 </a:theme>
@@ -29155,7 +28829,7 @@
   <a:extraClrSchemeLst/>
   <a:extLst>
     <a:ext uri="{05A4C25C-085E-4340-85A3-A5531E510DB2}">
-      <thm15:themeFamily xmlns:thm15="http://schemas.microsoft.com/office/thememl/2012/main" xmlns="" name="Office Theme" id="{62F939B6-93AF-4DB8-9C6B-D6C7DFDC589F}" vid="{4A3C46E8-61CC-4603-A589-7422A47A8E4A}"/>
+      <thm15:themeFamily xmlns="" xmlns:thm15="http://schemas.microsoft.com/office/thememl/2012/main" name="Office Theme" id="{62F939B6-93AF-4DB8-9C6B-D6C7DFDC589F}" vid="{4A3C46E8-61CC-4603-A589-7422A47A8E4A}"/>
     </a:ext>
   </a:extLst>
 </a:theme>
